--- a/Presentation1.pptx
+++ b/Presentation1.pptx
@@ -8,6 +8,7 @@
     <p:sldId id="256" r:id="rId2"/>
     <p:sldId id="258" r:id="rId3"/>
     <p:sldId id="257" r:id="rId4"/>
+    <p:sldId id="259" r:id="rId5"/>
   </p:sldIdLst>
   <p:sldSz cx="12192000" cy="6858000"/>
   <p:notesSz cx="6858000" cy="9144000"/>
@@ -106,6 +107,11 @@
       </a:defRPr>
     </a:lvl9pPr>
   </p:defaultTextStyle>
+  <p:extLst>
+    <p:ext uri="{EFAFB233-063F-42B5-8137-9DF3F51BA10A}">
+      <p15:sldGuideLst xmlns:p15="http://schemas.microsoft.com/office/powerpoint/2012/main"/>
+    </p:ext>
+  </p:extLst>
 </p:presentation>
 </file>
 
@@ -240,7 +246,7 @@
           <a:p>
             <a:fld id="{55B84502-B394-44AC-8D71-CE25CD7D5C38}" type="datetimeFigureOut">
               <a:rPr lang="en-US" smtClean="0"/>
-              <a:t>4/1/2017</a:t>
+              <a:t>4/9/2017</a:t>
             </a:fld>
             <a:endParaRPr lang="en-US"/>
           </a:p>
@@ -410,7 +416,7 @@
           <a:p>
             <a:fld id="{55B84502-B394-44AC-8D71-CE25CD7D5C38}" type="datetimeFigureOut">
               <a:rPr lang="en-US" smtClean="0"/>
-              <a:t>4/1/2017</a:t>
+              <a:t>4/9/2017</a:t>
             </a:fld>
             <a:endParaRPr lang="en-US"/>
           </a:p>
@@ -590,7 +596,7 @@
           <a:p>
             <a:fld id="{55B84502-B394-44AC-8D71-CE25CD7D5C38}" type="datetimeFigureOut">
               <a:rPr lang="en-US" smtClean="0"/>
-              <a:t>4/1/2017</a:t>
+              <a:t>4/9/2017</a:t>
             </a:fld>
             <a:endParaRPr lang="en-US"/>
           </a:p>
@@ -760,7 +766,7 @@
           <a:p>
             <a:fld id="{55B84502-B394-44AC-8D71-CE25CD7D5C38}" type="datetimeFigureOut">
               <a:rPr lang="en-US" smtClean="0"/>
-              <a:t>4/1/2017</a:t>
+              <a:t>4/9/2017</a:t>
             </a:fld>
             <a:endParaRPr lang="en-US"/>
           </a:p>
@@ -1006,7 +1012,7 @@
           <a:p>
             <a:fld id="{55B84502-B394-44AC-8D71-CE25CD7D5C38}" type="datetimeFigureOut">
               <a:rPr lang="en-US" smtClean="0"/>
-              <a:t>4/1/2017</a:t>
+              <a:t>4/9/2017</a:t>
             </a:fld>
             <a:endParaRPr lang="en-US"/>
           </a:p>
@@ -1238,7 +1244,7 @@
           <a:p>
             <a:fld id="{55B84502-B394-44AC-8D71-CE25CD7D5C38}" type="datetimeFigureOut">
               <a:rPr lang="en-US" smtClean="0"/>
-              <a:t>4/1/2017</a:t>
+              <a:t>4/9/2017</a:t>
             </a:fld>
             <a:endParaRPr lang="en-US"/>
           </a:p>
@@ -1605,7 +1611,7 @@
           <a:p>
             <a:fld id="{55B84502-B394-44AC-8D71-CE25CD7D5C38}" type="datetimeFigureOut">
               <a:rPr lang="en-US" smtClean="0"/>
-              <a:t>4/1/2017</a:t>
+              <a:t>4/9/2017</a:t>
             </a:fld>
             <a:endParaRPr lang="en-US"/>
           </a:p>
@@ -1723,7 +1729,7 @@
           <a:p>
             <a:fld id="{55B84502-B394-44AC-8D71-CE25CD7D5C38}" type="datetimeFigureOut">
               <a:rPr lang="en-US" smtClean="0"/>
-              <a:t>4/1/2017</a:t>
+              <a:t>4/9/2017</a:t>
             </a:fld>
             <a:endParaRPr lang="en-US"/>
           </a:p>
@@ -1818,7 +1824,7 @@
           <a:p>
             <a:fld id="{55B84502-B394-44AC-8D71-CE25CD7D5C38}" type="datetimeFigureOut">
               <a:rPr lang="en-US" smtClean="0"/>
-              <a:t>4/1/2017</a:t>
+              <a:t>4/9/2017</a:t>
             </a:fld>
             <a:endParaRPr lang="en-US"/>
           </a:p>
@@ -2095,7 +2101,7 @@
           <a:p>
             <a:fld id="{55B84502-B394-44AC-8D71-CE25CD7D5C38}" type="datetimeFigureOut">
               <a:rPr lang="en-US" smtClean="0"/>
-              <a:t>4/1/2017</a:t>
+              <a:t>4/9/2017</a:t>
             </a:fld>
             <a:endParaRPr lang="en-US"/>
           </a:p>
@@ -2348,7 +2354,7 @@
           <a:p>
             <a:fld id="{55B84502-B394-44AC-8D71-CE25CD7D5C38}" type="datetimeFigureOut">
               <a:rPr lang="en-US" smtClean="0"/>
-              <a:t>4/1/2017</a:t>
+              <a:t>4/9/2017</a:t>
             </a:fld>
             <a:endParaRPr lang="en-US"/>
           </a:p>
@@ -2561,7 +2567,7 @@
           <a:p>
             <a:fld id="{55B84502-B394-44AC-8D71-CE25CD7D5C38}" type="datetimeFigureOut">
               <a:rPr lang="en-US" smtClean="0"/>
-              <a:t>4/1/2017</a:t>
+              <a:t>4/9/2017</a:t>
             </a:fld>
             <a:endParaRPr lang="en-US"/>
           </a:p>
@@ -5523,41 +5529,3407 @@
           <a:chExt cx="0" cy="0"/>
         </a:xfrm>
       </p:grpSpPr>
+      <p:pic>
+        <p:nvPicPr>
+          <p:cNvPr id="5" name="Picture 4"/>
+          <p:cNvPicPr>
+            <a:picLocks noChangeAspect="1"/>
+          </p:cNvPicPr>
+          <p:nvPr/>
+        </p:nvPicPr>
+        <p:blipFill>
+          <a:blip r:embed="rId2">
+            <a:clrChange>
+              <a:clrFrom>
+                <a:srgbClr val="FFFFFF"/>
+              </a:clrFrom>
+              <a:clrTo>
+                <a:srgbClr val="FFFFFF">
+                  <a:alpha val="0"/>
+                </a:srgbClr>
+              </a:clrTo>
+            </a:clrChange>
+            <a:extLst>
+              <a:ext uri="{28A0092B-C50C-407E-A947-70E740481C1C}">
+                <a14:useLocalDpi xmlns:a14="http://schemas.microsoft.com/office/drawing/2010/main" val="0"/>
+              </a:ext>
+            </a:extLst>
+          </a:blip>
+          <a:stretch>
+            <a:fillRect/>
+          </a:stretch>
+        </p:blipFill>
+        <p:spPr>
+          <a:xfrm>
+            <a:off x="19694" y="3521203"/>
+            <a:ext cx="3657600" cy="2743200"/>
+          </a:xfrm>
+          <a:prstGeom prst="rect">
+            <a:avLst/>
+          </a:prstGeom>
+        </p:spPr>
+      </p:pic>
+      <p:pic>
+        <p:nvPicPr>
+          <p:cNvPr id="6" name="Picture 5"/>
+          <p:cNvPicPr>
+            <a:picLocks noChangeAspect="1"/>
+          </p:cNvPicPr>
+          <p:nvPr/>
+        </p:nvPicPr>
+        <p:blipFill>
+          <a:blip r:embed="rId3">
+            <a:clrChange>
+              <a:clrFrom>
+                <a:srgbClr val="FFFFFF"/>
+              </a:clrFrom>
+              <a:clrTo>
+                <a:srgbClr val="FFFFFF">
+                  <a:alpha val="0"/>
+                </a:srgbClr>
+              </a:clrTo>
+            </a:clrChange>
+            <a:extLst>
+              <a:ext uri="{28A0092B-C50C-407E-A947-70E740481C1C}">
+                <a14:useLocalDpi xmlns:a14="http://schemas.microsoft.com/office/drawing/2010/main" val="0"/>
+              </a:ext>
+            </a:extLst>
+          </a:blip>
+          <a:stretch>
+            <a:fillRect/>
+          </a:stretch>
+        </p:blipFill>
+        <p:spPr>
+          <a:xfrm>
+            <a:off x="3362519" y="3505532"/>
+            <a:ext cx="3657600" cy="2743200"/>
+          </a:xfrm>
+          <a:prstGeom prst="rect">
+            <a:avLst/>
+          </a:prstGeom>
+        </p:spPr>
+      </p:pic>
+      <p:pic>
+        <p:nvPicPr>
+          <p:cNvPr id="7" name="Picture 6"/>
+          <p:cNvPicPr>
+            <a:picLocks noChangeAspect="1"/>
+          </p:cNvPicPr>
+          <p:nvPr/>
+        </p:nvPicPr>
+        <p:blipFill rotWithShape="1">
+          <a:blip r:embed="rId4">
+            <a:extLst>
+              <a:ext uri="{28A0092B-C50C-407E-A947-70E740481C1C}">
+                <a14:useLocalDpi xmlns:a14="http://schemas.microsoft.com/office/drawing/2010/main" val="0"/>
+              </a:ext>
+            </a:extLst>
+          </a:blip>
+          <a:srcRect l="22429" t="37292" r="18923" b="41060"/>
+          <a:stretch/>
+        </p:blipFill>
+        <p:spPr>
+          <a:xfrm>
+            <a:off x="5460497" y="953905"/>
+            <a:ext cx="7306376" cy="1522595"/>
+          </a:xfrm>
+          <a:prstGeom prst="rect">
+            <a:avLst/>
+          </a:prstGeom>
+        </p:spPr>
+      </p:pic>
+      <p:pic>
+        <p:nvPicPr>
+          <p:cNvPr id="8" name="Picture 7"/>
+          <p:cNvPicPr>
+            <a:picLocks noChangeAspect="1"/>
+          </p:cNvPicPr>
+          <p:nvPr/>
+        </p:nvPicPr>
+        <p:blipFill rotWithShape="1">
+          <a:blip r:embed="rId5">
+            <a:extLst>
+              <a:ext uri="{28A0092B-C50C-407E-A947-70E740481C1C}">
+                <a14:useLocalDpi xmlns:a14="http://schemas.microsoft.com/office/drawing/2010/main" val="0"/>
+              </a:ext>
+            </a:extLst>
+          </a:blip>
+          <a:srcRect l="5100" t="4525" r="8234" b="-772"/>
+          <a:stretch/>
+        </p:blipFill>
+        <p:spPr>
+          <a:xfrm>
+            <a:off x="368216" y="861944"/>
+            <a:ext cx="5061795" cy="2871856"/>
+          </a:xfrm>
+          <a:prstGeom prst="rect">
+            <a:avLst/>
+          </a:prstGeom>
+        </p:spPr>
+      </p:pic>
       <p:sp>
         <p:nvSpPr>
-          <p:cNvPr id="2" name="Title 1"/>
-          <p:cNvSpPr>
-            <a:spLocks noGrp="1"/>
-          </p:cNvSpPr>
-          <p:nvPr>
-            <p:ph type="title"/>
-          </p:nvPr>
+          <p:cNvPr id="9" name="TextBox 8"/>
+          <p:cNvSpPr txBox="1"/>
+          <p:nvPr/>
         </p:nvSpPr>
-        <p:spPr/>
+        <p:spPr>
+          <a:xfrm>
+            <a:off x="318169" y="578852"/>
+            <a:ext cx="442750" cy="369332"/>
+          </a:xfrm>
+          <a:prstGeom prst="rect">
+            <a:avLst/>
+          </a:prstGeom>
+          <a:noFill/>
+        </p:spPr>
         <p:txBody>
-          <a:bodyPr/>
+          <a:bodyPr wrap="none" rtlCol="0">
+            <a:spAutoFit/>
+          </a:bodyPr>
           <a:lstStyle/>
           <a:p>
-            <a:endParaRPr lang="en-US"/>
+            <a:r>
+              <a:rPr lang="en-US" b="1" dirty="0" smtClean="0"/>
+              <a:t>(a)</a:t>
+            </a:r>
+            <a:endParaRPr lang="en-US" b="1" dirty="0"/>
           </a:p>
         </p:txBody>
       </p:sp>
       <p:sp>
         <p:nvSpPr>
-          <p:cNvPr id="3" name="Content Placeholder 2"/>
-          <p:cNvSpPr>
-            <a:spLocks noGrp="1"/>
-          </p:cNvSpPr>
-          <p:nvPr>
-            <p:ph idx="1"/>
-          </p:nvPr>
+          <p:cNvPr id="11" name="TextBox 10"/>
+          <p:cNvSpPr txBox="1"/>
+          <p:nvPr/>
         </p:nvSpPr>
-        <p:spPr/>
+        <p:spPr>
+          <a:xfrm>
+            <a:off x="5386266" y="591552"/>
+            <a:ext cx="452368" cy="369332"/>
+          </a:xfrm>
+          <a:prstGeom prst="rect">
+            <a:avLst/>
+          </a:prstGeom>
+          <a:noFill/>
+        </p:spPr>
         <p:txBody>
-          <a:bodyPr/>
+          <a:bodyPr wrap="none" rtlCol="0">
+            <a:spAutoFit/>
+          </a:bodyPr>
           <a:lstStyle/>
           <a:p>
+            <a:r>
+              <a:rPr lang="en-US" b="1" dirty="0" smtClean="0"/>
+              <a:t>(b)</a:t>
+            </a:r>
+            <a:endParaRPr lang="en-US" b="1" dirty="0"/>
+          </a:p>
+        </p:txBody>
+      </p:sp>
+      <p:sp>
+        <p:nvSpPr>
+          <p:cNvPr id="12" name="Rectangle 11"/>
+          <p:cNvSpPr/>
+          <p:nvPr/>
+        </p:nvSpPr>
+        <p:spPr>
+          <a:xfrm>
+            <a:off x="4664700" y="2599911"/>
+            <a:ext cx="224590" cy="224590"/>
+          </a:xfrm>
+          <a:prstGeom prst="rect">
+            <a:avLst/>
+          </a:prstGeom>
+          <a:solidFill>
+            <a:srgbClr val="FFFF00"/>
+          </a:solidFill>
+          <a:ln>
+            <a:solidFill>
+              <a:schemeClr val="tx1"/>
+            </a:solidFill>
+          </a:ln>
+        </p:spPr>
+        <p:style>
+          <a:lnRef idx="2">
+            <a:schemeClr val="accent1">
+              <a:shade val="50000"/>
+            </a:schemeClr>
+          </a:lnRef>
+          <a:fillRef idx="1">
+            <a:schemeClr val="accent1"/>
+          </a:fillRef>
+          <a:effectRef idx="0">
+            <a:schemeClr val="accent1"/>
+          </a:effectRef>
+          <a:fontRef idx="minor">
+            <a:schemeClr val="lt1"/>
+          </a:fontRef>
+        </p:style>
+        <p:txBody>
+          <a:bodyPr rtlCol="0" anchor="ctr"/>
+          <a:lstStyle/>
+          <a:p>
+            <a:pPr algn="ctr"/>
+            <a:r>
+              <a:rPr lang="en-US" dirty="0" smtClean="0">
+                <a:solidFill>
+                  <a:schemeClr val="tx1"/>
+                </a:solidFill>
+              </a:rPr>
+              <a:t>1</a:t>
+            </a:r>
+            <a:endParaRPr lang="en-US" dirty="0">
+              <a:solidFill>
+                <a:schemeClr val="tx1"/>
+              </a:solidFill>
+            </a:endParaRPr>
+          </a:p>
+        </p:txBody>
+      </p:sp>
+      <p:sp>
+        <p:nvSpPr>
+          <p:cNvPr id="13" name="Rectangle 12"/>
+          <p:cNvSpPr/>
+          <p:nvPr/>
+        </p:nvSpPr>
+        <p:spPr>
+          <a:xfrm>
+            <a:off x="898359" y="1186975"/>
+            <a:ext cx="425117" cy="224590"/>
+          </a:xfrm>
+          <a:prstGeom prst="rect">
+            <a:avLst/>
+          </a:prstGeom>
+          <a:solidFill>
+            <a:srgbClr val="FFFF00"/>
+          </a:solidFill>
+          <a:ln>
+            <a:solidFill>
+              <a:schemeClr val="tx1"/>
+            </a:solidFill>
+          </a:ln>
+        </p:spPr>
+        <p:style>
+          <a:lnRef idx="2">
+            <a:schemeClr val="accent1">
+              <a:shade val="50000"/>
+            </a:schemeClr>
+          </a:lnRef>
+          <a:fillRef idx="1">
+            <a:schemeClr val="accent1"/>
+          </a:fillRef>
+          <a:effectRef idx="0">
+            <a:schemeClr val="accent1"/>
+          </a:effectRef>
+          <a:fontRef idx="minor">
+            <a:schemeClr val="lt1"/>
+          </a:fontRef>
+        </p:style>
+        <p:txBody>
+          <a:bodyPr rtlCol="0" anchor="ctr"/>
+          <a:lstStyle/>
+          <a:p>
+            <a:pPr algn="ctr"/>
+            <a:r>
+              <a:rPr lang="en-US" dirty="0" smtClean="0">
+                <a:solidFill>
+                  <a:schemeClr val="tx1"/>
+                </a:solidFill>
+              </a:rPr>
+              <a:t>12</a:t>
+            </a:r>
+            <a:endParaRPr lang="en-US" dirty="0">
+              <a:solidFill>
+                <a:schemeClr val="tx1"/>
+              </a:solidFill>
+            </a:endParaRPr>
+          </a:p>
+        </p:txBody>
+      </p:sp>
+      <p:cxnSp>
+        <p:nvCxnSpPr>
+          <p:cNvPr id="14" name="Straight Arrow Connector 13"/>
+          <p:cNvCxnSpPr/>
+          <p:nvPr/>
+        </p:nvCxnSpPr>
+        <p:spPr>
+          <a:xfrm flipV="1">
+            <a:off x="1110918" y="1028700"/>
+            <a:ext cx="95582" cy="151911"/>
+          </a:xfrm>
+          <a:prstGeom prst="straightConnector1">
+            <a:avLst/>
+          </a:prstGeom>
+          <a:ln>
+            <a:solidFill>
+              <a:schemeClr val="tx1"/>
+            </a:solidFill>
+            <a:tailEnd type="triangle"/>
+          </a:ln>
+        </p:spPr>
+        <p:style>
+          <a:lnRef idx="1">
+            <a:schemeClr val="accent1"/>
+          </a:lnRef>
+          <a:fillRef idx="0">
+            <a:schemeClr val="accent1"/>
+          </a:fillRef>
+          <a:effectRef idx="0">
+            <a:schemeClr val="accent1"/>
+          </a:effectRef>
+          <a:fontRef idx="minor">
+            <a:schemeClr val="tx1"/>
+          </a:fontRef>
+        </p:style>
+      </p:cxnSp>
+      <p:cxnSp>
+        <p:nvCxnSpPr>
+          <p:cNvPr id="15" name="Straight Arrow Connector 14"/>
+          <p:cNvCxnSpPr/>
+          <p:nvPr/>
+        </p:nvCxnSpPr>
+        <p:spPr>
+          <a:xfrm>
+            <a:off x="4896854" y="2738363"/>
+            <a:ext cx="214896" cy="4837"/>
+          </a:xfrm>
+          <a:prstGeom prst="straightConnector1">
+            <a:avLst/>
+          </a:prstGeom>
+          <a:ln>
+            <a:solidFill>
+              <a:schemeClr val="tx1"/>
+            </a:solidFill>
+            <a:tailEnd type="triangle"/>
+          </a:ln>
+        </p:spPr>
+        <p:style>
+          <a:lnRef idx="1">
+            <a:schemeClr val="accent1"/>
+          </a:lnRef>
+          <a:fillRef idx="0">
+            <a:schemeClr val="accent1"/>
+          </a:fillRef>
+          <a:effectRef idx="0">
+            <a:schemeClr val="accent1"/>
+          </a:effectRef>
+          <a:fontRef idx="minor">
+            <a:schemeClr val="tx1"/>
+          </a:fontRef>
+        </p:style>
+      </p:cxnSp>
+      <p:sp>
+        <p:nvSpPr>
+          <p:cNvPr id="16" name="Rectangle 15"/>
+          <p:cNvSpPr/>
+          <p:nvPr/>
+        </p:nvSpPr>
+        <p:spPr>
+          <a:xfrm>
+            <a:off x="6229853" y="927874"/>
+            <a:ext cx="224590" cy="224590"/>
+          </a:xfrm>
+          <a:prstGeom prst="rect">
+            <a:avLst/>
+          </a:prstGeom>
+          <a:solidFill>
+            <a:srgbClr val="FFFF00"/>
+          </a:solidFill>
+          <a:ln>
+            <a:solidFill>
+              <a:schemeClr val="tx1"/>
+            </a:solidFill>
+          </a:ln>
+        </p:spPr>
+        <p:style>
+          <a:lnRef idx="2">
+            <a:schemeClr val="accent1">
+              <a:shade val="50000"/>
+            </a:schemeClr>
+          </a:lnRef>
+          <a:fillRef idx="1">
+            <a:schemeClr val="accent1"/>
+          </a:fillRef>
+          <a:effectRef idx="0">
+            <a:schemeClr val="accent1"/>
+          </a:effectRef>
+          <a:fontRef idx="minor">
+            <a:schemeClr val="lt1"/>
+          </a:fontRef>
+        </p:style>
+        <p:txBody>
+          <a:bodyPr rtlCol="0" anchor="ctr"/>
+          <a:lstStyle/>
+          <a:p>
+            <a:pPr algn="ctr"/>
+            <a:r>
+              <a:rPr lang="en-US" dirty="0" smtClean="0">
+                <a:solidFill>
+                  <a:schemeClr val="tx1"/>
+                </a:solidFill>
+              </a:rPr>
+              <a:t>1</a:t>
+            </a:r>
+            <a:endParaRPr lang="en-US" dirty="0">
+              <a:solidFill>
+                <a:schemeClr val="tx1"/>
+              </a:solidFill>
+            </a:endParaRPr>
+          </a:p>
+        </p:txBody>
+      </p:sp>
+      <p:sp>
+        <p:nvSpPr>
+          <p:cNvPr id="17" name="Rectangle 16"/>
+          <p:cNvSpPr/>
+          <p:nvPr/>
+        </p:nvSpPr>
+        <p:spPr>
+          <a:xfrm>
+            <a:off x="11653705" y="1905421"/>
+            <a:ext cx="425117" cy="224590"/>
+          </a:xfrm>
+          <a:prstGeom prst="rect">
+            <a:avLst/>
+          </a:prstGeom>
+          <a:solidFill>
+            <a:srgbClr val="FFFF00"/>
+          </a:solidFill>
+          <a:ln>
+            <a:solidFill>
+              <a:schemeClr val="tx1"/>
+            </a:solidFill>
+          </a:ln>
+        </p:spPr>
+        <p:style>
+          <a:lnRef idx="2">
+            <a:schemeClr val="accent1">
+              <a:shade val="50000"/>
+            </a:schemeClr>
+          </a:lnRef>
+          <a:fillRef idx="1">
+            <a:schemeClr val="accent1"/>
+          </a:fillRef>
+          <a:effectRef idx="0">
+            <a:schemeClr val="accent1"/>
+          </a:effectRef>
+          <a:fontRef idx="minor">
+            <a:schemeClr val="lt1"/>
+          </a:fontRef>
+        </p:style>
+        <p:txBody>
+          <a:bodyPr rtlCol="0" anchor="ctr"/>
+          <a:lstStyle/>
+          <a:p>
+            <a:pPr algn="ctr"/>
+            <a:r>
+              <a:rPr lang="en-US" dirty="0" smtClean="0">
+                <a:solidFill>
+                  <a:schemeClr val="tx1"/>
+                </a:solidFill>
+              </a:rPr>
+              <a:t>12</a:t>
+            </a:r>
+            <a:endParaRPr lang="en-US" dirty="0">
+              <a:solidFill>
+                <a:schemeClr val="tx1"/>
+              </a:solidFill>
+            </a:endParaRPr>
+          </a:p>
+        </p:txBody>
+      </p:sp>
+      <p:sp>
+        <p:nvSpPr>
+          <p:cNvPr id="18" name="Rectangle 17"/>
+          <p:cNvSpPr/>
+          <p:nvPr/>
+        </p:nvSpPr>
+        <p:spPr>
+          <a:xfrm>
+            <a:off x="597569" y="3747840"/>
+            <a:ext cx="224590" cy="224590"/>
+          </a:xfrm>
+          <a:prstGeom prst="rect">
+            <a:avLst/>
+          </a:prstGeom>
+          <a:solidFill>
+            <a:srgbClr val="FFFF00"/>
+          </a:solidFill>
+          <a:ln>
+            <a:solidFill>
+              <a:schemeClr val="tx1"/>
+            </a:solidFill>
+          </a:ln>
+        </p:spPr>
+        <p:style>
+          <a:lnRef idx="2">
+            <a:schemeClr val="accent1">
+              <a:shade val="50000"/>
+            </a:schemeClr>
+          </a:lnRef>
+          <a:fillRef idx="1">
+            <a:schemeClr val="accent1"/>
+          </a:fillRef>
+          <a:effectRef idx="0">
+            <a:schemeClr val="accent1"/>
+          </a:effectRef>
+          <a:fontRef idx="minor">
+            <a:schemeClr val="lt1"/>
+          </a:fontRef>
+        </p:style>
+        <p:txBody>
+          <a:bodyPr rtlCol="0" anchor="ctr"/>
+          <a:lstStyle/>
+          <a:p>
+            <a:pPr algn="ctr"/>
+            <a:r>
+              <a:rPr lang="en-US" dirty="0" smtClean="0">
+                <a:solidFill>
+                  <a:schemeClr val="tx1"/>
+                </a:solidFill>
+              </a:rPr>
+              <a:t>1</a:t>
+            </a:r>
+            <a:endParaRPr lang="en-US" dirty="0">
+              <a:solidFill>
+                <a:schemeClr val="tx1"/>
+              </a:solidFill>
+            </a:endParaRPr>
+          </a:p>
+        </p:txBody>
+      </p:sp>
+      <p:sp>
+        <p:nvSpPr>
+          <p:cNvPr id="19" name="Rectangle 18"/>
+          <p:cNvSpPr/>
+          <p:nvPr/>
+        </p:nvSpPr>
+        <p:spPr>
+          <a:xfrm>
+            <a:off x="3916660" y="3743003"/>
+            <a:ext cx="425117" cy="224590"/>
+          </a:xfrm>
+          <a:prstGeom prst="rect">
+            <a:avLst/>
+          </a:prstGeom>
+          <a:solidFill>
+            <a:srgbClr val="FFFF00"/>
+          </a:solidFill>
+          <a:ln>
+            <a:solidFill>
+              <a:schemeClr val="tx1"/>
+            </a:solidFill>
+          </a:ln>
+        </p:spPr>
+        <p:style>
+          <a:lnRef idx="2">
+            <a:schemeClr val="accent1">
+              <a:shade val="50000"/>
+            </a:schemeClr>
+          </a:lnRef>
+          <a:fillRef idx="1">
+            <a:schemeClr val="accent1"/>
+          </a:fillRef>
+          <a:effectRef idx="0">
+            <a:schemeClr val="accent1"/>
+          </a:effectRef>
+          <a:fontRef idx="minor">
+            <a:schemeClr val="lt1"/>
+          </a:fontRef>
+        </p:style>
+        <p:txBody>
+          <a:bodyPr rtlCol="0" anchor="ctr"/>
+          <a:lstStyle/>
+          <a:p>
+            <a:pPr algn="ctr"/>
+            <a:r>
+              <a:rPr lang="en-US" dirty="0" smtClean="0">
+                <a:solidFill>
+                  <a:schemeClr val="tx1"/>
+                </a:solidFill>
+              </a:rPr>
+              <a:t>12</a:t>
+            </a:r>
+            <a:endParaRPr lang="en-US" dirty="0">
+              <a:solidFill>
+                <a:schemeClr val="tx1"/>
+              </a:solidFill>
+            </a:endParaRPr>
+          </a:p>
+        </p:txBody>
+      </p:sp>
+      <p:sp>
+        <p:nvSpPr>
+          <p:cNvPr id="20" name="TextBox 19"/>
+          <p:cNvSpPr txBox="1"/>
+          <p:nvPr/>
+        </p:nvSpPr>
+        <p:spPr>
+          <a:xfrm>
+            <a:off x="318169" y="3341102"/>
+            <a:ext cx="425116" cy="369332"/>
+          </a:xfrm>
+          <a:prstGeom prst="rect">
+            <a:avLst/>
+          </a:prstGeom>
+          <a:noFill/>
+        </p:spPr>
+        <p:txBody>
+          <a:bodyPr wrap="none" rtlCol="0">
+            <a:spAutoFit/>
+          </a:bodyPr>
+          <a:lstStyle/>
+          <a:p>
+            <a:r>
+              <a:rPr lang="en-US" b="1" dirty="0" smtClean="0"/>
+              <a:t>(c)</a:t>
+            </a:r>
+            <a:endParaRPr lang="en-US" b="1" dirty="0"/>
+          </a:p>
+        </p:txBody>
+      </p:sp>
+      <p:sp>
+        <p:nvSpPr>
+          <p:cNvPr id="21" name="TextBox 20"/>
+          <p:cNvSpPr txBox="1"/>
+          <p:nvPr/>
+        </p:nvSpPr>
+        <p:spPr>
+          <a:xfrm>
+            <a:off x="6637807" y="3341102"/>
+            <a:ext cx="452368" cy="369332"/>
+          </a:xfrm>
+          <a:prstGeom prst="rect">
+            <a:avLst/>
+          </a:prstGeom>
+          <a:noFill/>
+        </p:spPr>
+        <p:txBody>
+          <a:bodyPr wrap="none" rtlCol="0">
+            <a:spAutoFit/>
+          </a:bodyPr>
+          <a:lstStyle/>
+          <a:p>
+            <a:r>
+              <a:rPr lang="en-US" b="1" dirty="0" smtClean="0"/>
+              <a:t>(d)</a:t>
+            </a:r>
+            <a:endParaRPr lang="en-US" b="1" dirty="0"/>
+          </a:p>
+        </p:txBody>
+      </p:sp>
+      <p:sp>
+        <p:nvSpPr>
+          <p:cNvPr id="22" name="Rectangle 21"/>
+          <p:cNvSpPr/>
+          <p:nvPr/>
+        </p:nvSpPr>
+        <p:spPr>
+          <a:xfrm>
+            <a:off x="9919369" y="3582740"/>
+            <a:ext cx="224590" cy="224590"/>
+          </a:xfrm>
+          <a:prstGeom prst="rect">
+            <a:avLst/>
+          </a:prstGeom>
+          <a:solidFill>
+            <a:srgbClr val="FFFF00"/>
+          </a:solidFill>
+          <a:ln>
+            <a:solidFill>
+              <a:schemeClr val="tx1"/>
+            </a:solidFill>
+          </a:ln>
+        </p:spPr>
+        <p:style>
+          <a:lnRef idx="2">
+            <a:schemeClr val="accent1">
+              <a:shade val="50000"/>
+            </a:schemeClr>
+          </a:lnRef>
+          <a:fillRef idx="1">
+            <a:schemeClr val="accent1"/>
+          </a:fillRef>
+          <a:effectRef idx="0">
+            <a:schemeClr val="accent1"/>
+          </a:effectRef>
+          <a:fontRef idx="minor">
+            <a:schemeClr val="lt1"/>
+          </a:fontRef>
+        </p:style>
+        <p:txBody>
+          <a:bodyPr rtlCol="0" anchor="ctr"/>
+          <a:lstStyle/>
+          <a:p>
+            <a:pPr algn="ctr"/>
+            <a:r>
+              <a:rPr lang="en-US" dirty="0" smtClean="0">
+                <a:solidFill>
+                  <a:schemeClr val="tx1"/>
+                </a:solidFill>
+              </a:rPr>
+              <a:t>1</a:t>
+            </a:r>
+            <a:endParaRPr lang="en-US" dirty="0">
+              <a:solidFill>
+                <a:schemeClr val="tx1"/>
+              </a:solidFill>
+            </a:endParaRPr>
+          </a:p>
+        </p:txBody>
+      </p:sp>
+      <p:sp>
+        <p:nvSpPr>
+          <p:cNvPr id="23" name="Rectangle 22"/>
+          <p:cNvSpPr/>
+          <p:nvPr/>
+        </p:nvSpPr>
+        <p:spPr>
+          <a:xfrm>
+            <a:off x="13337695" y="3577903"/>
+            <a:ext cx="425117" cy="224590"/>
+          </a:xfrm>
+          <a:prstGeom prst="rect">
+            <a:avLst/>
+          </a:prstGeom>
+          <a:solidFill>
+            <a:srgbClr val="FFFF00"/>
+          </a:solidFill>
+          <a:ln>
+            <a:solidFill>
+              <a:schemeClr val="tx1"/>
+            </a:solidFill>
+          </a:ln>
+        </p:spPr>
+        <p:style>
+          <a:lnRef idx="2">
+            <a:schemeClr val="accent1">
+              <a:shade val="50000"/>
+            </a:schemeClr>
+          </a:lnRef>
+          <a:fillRef idx="1">
+            <a:schemeClr val="accent1"/>
+          </a:fillRef>
+          <a:effectRef idx="0">
+            <a:schemeClr val="accent1"/>
+          </a:effectRef>
+          <a:fontRef idx="minor">
+            <a:schemeClr val="lt1"/>
+          </a:fontRef>
+        </p:style>
+        <p:txBody>
+          <a:bodyPr rtlCol="0" anchor="ctr"/>
+          <a:lstStyle/>
+          <a:p>
+            <a:pPr algn="ctr"/>
+            <a:r>
+              <a:rPr lang="en-US" dirty="0" smtClean="0">
+                <a:solidFill>
+                  <a:schemeClr val="tx1"/>
+                </a:solidFill>
+              </a:rPr>
+              <a:t>12</a:t>
+            </a:r>
+            <a:endParaRPr lang="en-US" dirty="0">
+              <a:solidFill>
+                <a:schemeClr val="tx1"/>
+              </a:solidFill>
+            </a:endParaRPr>
+          </a:p>
+        </p:txBody>
+      </p:sp>
+      <p:sp>
+        <p:nvSpPr>
+          <p:cNvPr id="24" name="TextBox 23"/>
+          <p:cNvSpPr txBox="1"/>
+          <p:nvPr/>
+        </p:nvSpPr>
+        <p:spPr>
+          <a:xfrm>
+            <a:off x="11212682" y="3505532"/>
+            <a:ext cx="575799" cy="369332"/>
+          </a:xfrm>
+          <a:prstGeom prst="rect">
+            <a:avLst/>
+          </a:prstGeom>
+          <a:noFill/>
+        </p:spPr>
+        <p:txBody>
+          <a:bodyPr wrap="none" rtlCol="0">
+            <a:spAutoFit/>
+          </a:bodyPr>
+          <a:lstStyle/>
+          <a:p>
+            <a:r>
+              <a:rPr lang="en-US" dirty="0" smtClean="0"/>
+              <a:t>Exp.</a:t>
+            </a:r>
+            <a:endParaRPr lang="en-US" dirty="0"/>
+          </a:p>
+        </p:txBody>
+      </p:sp>
+      <p:cxnSp>
+        <p:nvCxnSpPr>
+          <p:cNvPr id="25" name="Straight Connector 24"/>
+          <p:cNvCxnSpPr/>
+          <p:nvPr/>
+        </p:nvCxnSpPr>
+        <p:spPr>
+          <a:xfrm>
+            <a:off x="11031109" y="3705438"/>
+            <a:ext cx="257773" cy="0"/>
+          </a:xfrm>
+          <a:prstGeom prst="line">
+            <a:avLst/>
+          </a:prstGeom>
+          <a:ln w="28575">
+            <a:solidFill>
+              <a:schemeClr val="tx1"/>
+            </a:solidFill>
+          </a:ln>
+        </p:spPr>
+        <p:style>
+          <a:lnRef idx="1">
+            <a:schemeClr val="accent1"/>
+          </a:lnRef>
+          <a:fillRef idx="0">
+            <a:schemeClr val="accent1"/>
+          </a:fillRef>
+          <a:effectRef idx="0">
+            <a:schemeClr val="accent1"/>
+          </a:effectRef>
+          <a:fontRef idx="minor">
+            <a:schemeClr val="tx1"/>
+          </a:fontRef>
+        </p:style>
+      </p:cxnSp>
+      <p:sp>
+        <p:nvSpPr>
+          <p:cNvPr id="26" name="TextBox 25"/>
+          <p:cNvSpPr txBox="1"/>
+          <p:nvPr/>
+        </p:nvSpPr>
+        <p:spPr>
+          <a:xfrm>
+            <a:off x="11936582" y="3505532"/>
+            <a:ext cx="1236492" cy="369332"/>
+          </a:xfrm>
+          <a:prstGeom prst="rect">
+            <a:avLst/>
+          </a:prstGeom>
+          <a:noFill/>
+        </p:spPr>
+        <p:txBody>
+          <a:bodyPr wrap="none" rtlCol="0">
+            <a:spAutoFit/>
+          </a:bodyPr>
+          <a:lstStyle/>
+          <a:p>
+            <a:r>
+              <a:rPr lang="en-US" dirty="0" smtClean="0"/>
+              <a:t>Theoretical</a:t>
+            </a:r>
+            <a:endParaRPr lang="en-US" dirty="0"/>
+          </a:p>
+        </p:txBody>
+      </p:sp>
+      <p:cxnSp>
+        <p:nvCxnSpPr>
+          <p:cNvPr id="27" name="Straight Connector 26"/>
+          <p:cNvCxnSpPr/>
+          <p:nvPr/>
+        </p:nvCxnSpPr>
+        <p:spPr>
+          <a:xfrm>
+            <a:off x="11770249" y="3705438"/>
+            <a:ext cx="257773" cy="0"/>
+          </a:xfrm>
+          <a:prstGeom prst="line">
+            <a:avLst/>
+          </a:prstGeom>
+          <a:ln w="28575">
+            <a:solidFill>
+              <a:srgbClr val="1415CF"/>
+            </a:solidFill>
+          </a:ln>
+        </p:spPr>
+        <p:style>
+          <a:lnRef idx="1">
+            <a:schemeClr val="accent1"/>
+          </a:lnRef>
+          <a:fillRef idx="0">
+            <a:schemeClr val="accent1"/>
+          </a:fillRef>
+          <a:effectRef idx="0">
+            <a:schemeClr val="accent1"/>
+          </a:effectRef>
+          <a:fontRef idx="minor">
+            <a:schemeClr val="tx1"/>
+          </a:fontRef>
+        </p:style>
+      </p:cxnSp>
+      <p:sp>
+        <p:nvSpPr>
+          <p:cNvPr id="29" name="Isosceles Triangle 28"/>
+          <p:cNvSpPr/>
+          <p:nvPr/>
+        </p:nvSpPr>
+        <p:spPr>
+          <a:xfrm rot="5400000">
+            <a:off x="354518" y="4438638"/>
+            <a:ext cx="143637" cy="123825"/>
+          </a:xfrm>
+          <a:prstGeom prst="triangle">
+            <a:avLst/>
+          </a:prstGeom>
+          <a:solidFill>
+            <a:schemeClr val="bg1"/>
+          </a:solidFill>
+          <a:ln>
+            <a:solidFill>
+              <a:schemeClr val="accent2">
+                <a:lumMod val="75000"/>
+              </a:schemeClr>
+            </a:solidFill>
+          </a:ln>
+        </p:spPr>
+        <p:style>
+          <a:lnRef idx="2">
+            <a:schemeClr val="accent1">
+              <a:shade val="50000"/>
+            </a:schemeClr>
+          </a:lnRef>
+          <a:fillRef idx="1">
+            <a:schemeClr val="accent1"/>
+          </a:fillRef>
+          <a:effectRef idx="0">
+            <a:schemeClr val="accent1"/>
+          </a:effectRef>
+          <a:fontRef idx="minor">
+            <a:schemeClr val="lt1"/>
+          </a:fontRef>
+        </p:style>
+        <p:txBody>
+          <a:bodyPr rtlCol="0" anchor="ctr"/>
+          <a:lstStyle/>
+          <a:p>
+            <a:pPr algn="ctr"/>
             <a:endParaRPr lang="en-US"/>
+          </a:p>
+        </p:txBody>
+      </p:sp>
+      <p:sp>
+        <p:nvSpPr>
+          <p:cNvPr id="30" name="Isosceles Triangle 29"/>
+          <p:cNvSpPr/>
+          <p:nvPr/>
+        </p:nvSpPr>
+        <p:spPr>
+          <a:xfrm rot="5400000">
+            <a:off x="357142" y="4669507"/>
+            <a:ext cx="143637" cy="123825"/>
+          </a:xfrm>
+          <a:prstGeom prst="triangle">
+            <a:avLst/>
+          </a:prstGeom>
+          <a:solidFill>
+            <a:schemeClr val="bg1"/>
+          </a:solidFill>
+          <a:ln>
+            <a:solidFill>
+              <a:schemeClr val="accent2">
+                <a:lumMod val="75000"/>
+              </a:schemeClr>
+            </a:solidFill>
+          </a:ln>
+        </p:spPr>
+        <p:style>
+          <a:lnRef idx="2">
+            <a:schemeClr val="accent1">
+              <a:shade val="50000"/>
+            </a:schemeClr>
+          </a:lnRef>
+          <a:fillRef idx="1">
+            <a:schemeClr val="accent1"/>
+          </a:fillRef>
+          <a:effectRef idx="0">
+            <a:schemeClr val="accent1"/>
+          </a:effectRef>
+          <a:fontRef idx="minor">
+            <a:schemeClr val="lt1"/>
+          </a:fontRef>
+        </p:style>
+        <p:txBody>
+          <a:bodyPr rtlCol="0" anchor="ctr"/>
+          <a:lstStyle/>
+          <a:p>
+            <a:pPr algn="ctr"/>
+            <a:endParaRPr lang="en-US"/>
+          </a:p>
+        </p:txBody>
+      </p:sp>
+      <p:sp>
+        <p:nvSpPr>
+          <p:cNvPr id="31" name="Isosceles Triangle 30"/>
+          <p:cNvSpPr/>
+          <p:nvPr/>
+        </p:nvSpPr>
+        <p:spPr>
+          <a:xfrm rot="5400000">
+            <a:off x="361904" y="4914662"/>
+            <a:ext cx="143637" cy="123825"/>
+          </a:xfrm>
+          <a:prstGeom prst="triangle">
+            <a:avLst/>
+          </a:prstGeom>
+          <a:solidFill>
+            <a:schemeClr val="bg1"/>
+          </a:solidFill>
+          <a:ln>
+            <a:solidFill>
+              <a:schemeClr val="accent2">
+                <a:lumMod val="75000"/>
+              </a:schemeClr>
+            </a:solidFill>
+          </a:ln>
+        </p:spPr>
+        <p:style>
+          <a:lnRef idx="2">
+            <a:schemeClr val="accent1">
+              <a:shade val="50000"/>
+            </a:schemeClr>
+          </a:lnRef>
+          <a:fillRef idx="1">
+            <a:schemeClr val="accent1"/>
+          </a:fillRef>
+          <a:effectRef idx="0">
+            <a:schemeClr val="accent1"/>
+          </a:effectRef>
+          <a:fontRef idx="minor">
+            <a:schemeClr val="lt1"/>
+          </a:fontRef>
+        </p:style>
+        <p:txBody>
+          <a:bodyPr rtlCol="0" anchor="ctr"/>
+          <a:lstStyle/>
+          <a:p>
+            <a:pPr algn="ctr"/>
+            <a:endParaRPr lang="en-US"/>
+          </a:p>
+        </p:txBody>
+      </p:sp>
+      <p:sp>
+        <p:nvSpPr>
+          <p:cNvPr id="32" name="Isosceles Triangle 31"/>
+          <p:cNvSpPr/>
+          <p:nvPr/>
+        </p:nvSpPr>
+        <p:spPr>
+          <a:xfrm rot="5400000">
+            <a:off x="361904" y="5139941"/>
+            <a:ext cx="143637" cy="123825"/>
+          </a:xfrm>
+          <a:prstGeom prst="triangle">
+            <a:avLst/>
+          </a:prstGeom>
+          <a:solidFill>
+            <a:schemeClr val="bg1"/>
+          </a:solidFill>
+          <a:ln>
+            <a:solidFill>
+              <a:schemeClr val="accent2">
+                <a:lumMod val="75000"/>
+              </a:schemeClr>
+            </a:solidFill>
+          </a:ln>
+        </p:spPr>
+        <p:style>
+          <a:lnRef idx="2">
+            <a:schemeClr val="accent1">
+              <a:shade val="50000"/>
+            </a:schemeClr>
+          </a:lnRef>
+          <a:fillRef idx="1">
+            <a:schemeClr val="accent1"/>
+          </a:fillRef>
+          <a:effectRef idx="0">
+            <a:schemeClr val="accent1"/>
+          </a:effectRef>
+          <a:fontRef idx="minor">
+            <a:schemeClr val="lt1"/>
+          </a:fontRef>
+        </p:style>
+        <p:txBody>
+          <a:bodyPr rtlCol="0" anchor="ctr"/>
+          <a:lstStyle/>
+          <a:p>
+            <a:pPr algn="ctr"/>
+            <a:endParaRPr lang="en-US"/>
+          </a:p>
+        </p:txBody>
+      </p:sp>
+      <p:cxnSp>
+        <p:nvCxnSpPr>
+          <p:cNvPr id="33" name="Straight Connector 32"/>
+          <p:cNvCxnSpPr/>
+          <p:nvPr/>
+        </p:nvCxnSpPr>
+        <p:spPr>
+          <a:xfrm flipH="1">
+            <a:off x="314865" y="4426351"/>
+            <a:ext cx="47178" cy="47178"/>
+          </a:xfrm>
+          <a:prstGeom prst="line">
+            <a:avLst/>
+          </a:prstGeom>
+          <a:ln>
+            <a:solidFill>
+              <a:schemeClr val="accent2">
+                <a:lumMod val="75000"/>
+              </a:schemeClr>
+            </a:solidFill>
+          </a:ln>
+        </p:spPr>
+        <p:style>
+          <a:lnRef idx="1">
+            <a:schemeClr val="accent1"/>
+          </a:lnRef>
+          <a:fillRef idx="0">
+            <a:schemeClr val="accent1"/>
+          </a:fillRef>
+          <a:effectRef idx="0">
+            <a:schemeClr val="accent1"/>
+          </a:effectRef>
+          <a:fontRef idx="minor">
+            <a:schemeClr val="tx1"/>
+          </a:fontRef>
+        </p:style>
+      </p:cxnSp>
+      <p:cxnSp>
+        <p:nvCxnSpPr>
+          <p:cNvPr id="34" name="Straight Connector 33"/>
+          <p:cNvCxnSpPr/>
+          <p:nvPr/>
+        </p:nvCxnSpPr>
+        <p:spPr>
+          <a:xfrm flipH="1">
+            <a:off x="314865" y="4460557"/>
+            <a:ext cx="47178" cy="47178"/>
+          </a:xfrm>
+          <a:prstGeom prst="line">
+            <a:avLst/>
+          </a:prstGeom>
+          <a:ln>
+            <a:solidFill>
+              <a:schemeClr val="accent2">
+                <a:lumMod val="75000"/>
+              </a:schemeClr>
+            </a:solidFill>
+          </a:ln>
+        </p:spPr>
+        <p:style>
+          <a:lnRef idx="1">
+            <a:schemeClr val="accent1"/>
+          </a:lnRef>
+          <a:fillRef idx="0">
+            <a:schemeClr val="accent1"/>
+          </a:fillRef>
+          <a:effectRef idx="0">
+            <a:schemeClr val="accent1"/>
+          </a:effectRef>
+          <a:fontRef idx="minor">
+            <a:schemeClr val="tx1"/>
+          </a:fontRef>
+        </p:style>
+      </p:cxnSp>
+      <p:cxnSp>
+        <p:nvCxnSpPr>
+          <p:cNvPr id="35" name="Straight Connector 34"/>
+          <p:cNvCxnSpPr/>
+          <p:nvPr/>
+        </p:nvCxnSpPr>
+        <p:spPr>
+          <a:xfrm flipH="1">
+            <a:off x="314865" y="4495212"/>
+            <a:ext cx="47178" cy="47178"/>
+          </a:xfrm>
+          <a:prstGeom prst="line">
+            <a:avLst/>
+          </a:prstGeom>
+          <a:ln>
+            <a:solidFill>
+              <a:schemeClr val="accent2">
+                <a:lumMod val="75000"/>
+              </a:schemeClr>
+            </a:solidFill>
+          </a:ln>
+        </p:spPr>
+        <p:style>
+          <a:lnRef idx="1">
+            <a:schemeClr val="accent1"/>
+          </a:lnRef>
+          <a:fillRef idx="0">
+            <a:schemeClr val="accent1"/>
+          </a:fillRef>
+          <a:effectRef idx="0">
+            <a:schemeClr val="accent1"/>
+          </a:effectRef>
+          <a:fontRef idx="minor">
+            <a:schemeClr val="tx1"/>
+          </a:fontRef>
+        </p:style>
+      </p:cxnSp>
+      <p:cxnSp>
+        <p:nvCxnSpPr>
+          <p:cNvPr id="36" name="Straight Connector 35"/>
+          <p:cNvCxnSpPr/>
+          <p:nvPr/>
+        </p:nvCxnSpPr>
+        <p:spPr>
+          <a:xfrm flipH="1">
+            <a:off x="314863" y="4531129"/>
+            <a:ext cx="47178" cy="47178"/>
+          </a:xfrm>
+          <a:prstGeom prst="line">
+            <a:avLst/>
+          </a:prstGeom>
+          <a:ln>
+            <a:solidFill>
+              <a:schemeClr val="accent2">
+                <a:lumMod val="75000"/>
+              </a:schemeClr>
+            </a:solidFill>
+          </a:ln>
+        </p:spPr>
+        <p:style>
+          <a:lnRef idx="1">
+            <a:schemeClr val="accent1"/>
+          </a:lnRef>
+          <a:fillRef idx="0">
+            <a:schemeClr val="accent1"/>
+          </a:fillRef>
+          <a:effectRef idx="0">
+            <a:schemeClr val="accent1"/>
+          </a:effectRef>
+          <a:fontRef idx="minor">
+            <a:schemeClr val="tx1"/>
+          </a:fontRef>
+        </p:style>
+      </p:cxnSp>
+      <p:cxnSp>
+        <p:nvCxnSpPr>
+          <p:cNvPr id="37" name="Straight Connector 36"/>
+          <p:cNvCxnSpPr/>
+          <p:nvPr/>
+        </p:nvCxnSpPr>
+        <p:spPr>
+          <a:xfrm flipH="1">
+            <a:off x="314863" y="4565335"/>
+            <a:ext cx="47178" cy="47178"/>
+          </a:xfrm>
+          <a:prstGeom prst="line">
+            <a:avLst/>
+          </a:prstGeom>
+          <a:ln>
+            <a:solidFill>
+              <a:schemeClr val="accent2">
+                <a:lumMod val="75000"/>
+              </a:schemeClr>
+            </a:solidFill>
+          </a:ln>
+        </p:spPr>
+        <p:style>
+          <a:lnRef idx="1">
+            <a:schemeClr val="accent1"/>
+          </a:lnRef>
+          <a:fillRef idx="0">
+            <a:schemeClr val="accent1"/>
+          </a:fillRef>
+          <a:effectRef idx="0">
+            <a:schemeClr val="accent1"/>
+          </a:effectRef>
+          <a:fontRef idx="minor">
+            <a:schemeClr val="tx1"/>
+          </a:fontRef>
+        </p:style>
+      </p:cxnSp>
+      <p:cxnSp>
+        <p:nvCxnSpPr>
+          <p:cNvPr id="38" name="Straight Connector 37"/>
+          <p:cNvCxnSpPr/>
+          <p:nvPr/>
+        </p:nvCxnSpPr>
+        <p:spPr>
+          <a:xfrm flipH="1">
+            <a:off x="317246" y="4657335"/>
+            <a:ext cx="47178" cy="47178"/>
+          </a:xfrm>
+          <a:prstGeom prst="line">
+            <a:avLst/>
+          </a:prstGeom>
+          <a:ln>
+            <a:solidFill>
+              <a:schemeClr val="accent2">
+                <a:lumMod val="75000"/>
+              </a:schemeClr>
+            </a:solidFill>
+          </a:ln>
+        </p:spPr>
+        <p:style>
+          <a:lnRef idx="1">
+            <a:schemeClr val="accent1"/>
+          </a:lnRef>
+          <a:fillRef idx="0">
+            <a:schemeClr val="accent1"/>
+          </a:fillRef>
+          <a:effectRef idx="0">
+            <a:schemeClr val="accent1"/>
+          </a:effectRef>
+          <a:fontRef idx="minor">
+            <a:schemeClr val="tx1"/>
+          </a:fontRef>
+        </p:style>
+      </p:cxnSp>
+      <p:cxnSp>
+        <p:nvCxnSpPr>
+          <p:cNvPr id="39" name="Straight Connector 38"/>
+          <p:cNvCxnSpPr/>
+          <p:nvPr/>
+        </p:nvCxnSpPr>
+        <p:spPr>
+          <a:xfrm flipH="1">
+            <a:off x="317246" y="4691541"/>
+            <a:ext cx="47178" cy="47178"/>
+          </a:xfrm>
+          <a:prstGeom prst="line">
+            <a:avLst/>
+          </a:prstGeom>
+          <a:ln>
+            <a:solidFill>
+              <a:schemeClr val="accent2">
+                <a:lumMod val="75000"/>
+              </a:schemeClr>
+            </a:solidFill>
+          </a:ln>
+        </p:spPr>
+        <p:style>
+          <a:lnRef idx="1">
+            <a:schemeClr val="accent1"/>
+          </a:lnRef>
+          <a:fillRef idx="0">
+            <a:schemeClr val="accent1"/>
+          </a:fillRef>
+          <a:effectRef idx="0">
+            <a:schemeClr val="accent1"/>
+          </a:effectRef>
+          <a:fontRef idx="minor">
+            <a:schemeClr val="tx1"/>
+          </a:fontRef>
+        </p:style>
+      </p:cxnSp>
+      <p:cxnSp>
+        <p:nvCxnSpPr>
+          <p:cNvPr id="40" name="Straight Connector 39"/>
+          <p:cNvCxnSpPr/>
+          <p:nvPr/>
+        </p:nvCxnSpPr>
+        <p:spPr>
+          <a:xfrm flipH="1">
+            <a:off x="317246" y="4726196"/>
+            <a:ext cx="47178" cy="47178"/>
+          </a:xfrm>
+          <a:prstGeom prst="line">
+            <a:avLst/>
+          </a:prstGeom>
+          <a:ln>
+            <a:solidFill>
+              <a:schemeClr val="accent2">
+                <a:lumMod val="75000"/>
+              </a:schemeClr>
+            </a:solidFill>
+          </a:ln>
+        </p:spPr>
+        <p:style>
+          <a:lnRef idx="1">
+            <a:schemeClr val="accent1"/>
+          </a:lnRef>
+          <a:fillRef idx="0">
+            <a:schemeClr val="accent1"/>
+          </a:fillRef>
+          <a:effectRef idx="0">
+            <a:schemeClr val="accent1"/>
+          </a:effectRef>
+          <a:fontRef idx="minor">
+            <a:schemeClr val="tx1"/>
+          </a:fontRef>
+        </p:style>
+      </p:cxnSp>
+      <p:cxnSp>
+        <p:nvCxnSpPr>
+          <p:cNvPr id="41" name="Straight Connector 40"/>
+          <p:cNvCxnSpPr/>
+          <p:nvPr/>
+        </p:nvCxnSpPr>
+        <p:spPr>
+          <a:xfrm flipH="1">
+            <a:off x="317244" y="4762113"/>
+            <a:ext cx="47178" cy="47178"/>
+          </a:xfrm>
+          <a:prstGeom prst="line">
+            <a:avLst/>
+          </a:prstGeom>
+          <a:ln>
+            <a:solidFill>
+              <a:schemeClr val="accent2">
+                <a:lumMod val="75000"/>
+              </a:schemeClr>
+            </a:solidFill>
+          </a:ln>
+        </p:spPr>
+        <p:style>
+          <a:lnRef idx="1">
+            <a:schemeClr val="accent1"/>
+          </a:lnRef>
+          <a:fillRef idx="0">
+            <a:schemeClr val="accent1"/>
+          </a:fillRef>
+          <a:effectRef idx="0">
+            <a:schemeClr val="accent1"/>
+          </a:effectRef>
+          <a:fontRef idx="minor">
+            <a:schemeClr val="tx1"/>
+          </a:fontRef>
+        </p:style>
+      </p:cxnSp>
+      <p:cxnSp>
+        <p:nvCxnSpPr>
+          <p:cNvPr id="42" name="Straight Connector 41"/>
+          <p:cNvCxnSpPr/>
+          <p:nvPr/>
+        </p:nvCxnSpPr>
+        <p:spPr>
+          <a:xfrm flipH="1">
+            <a:off x="317244" y="4796319"/>
+            <a:ext cx="47178" cy="47178"/>
+          </a:xfrm>
+          <a:prstGeom prst="line">
+            <a:avLst/>
+          </a:prstGeom>
+          <a:ln>
+            <a:solidFill>
+              <a:schemeClr val="accent2">
+                <a:lumMod val="75000"/>
+              </a:schemeClr>
+            </a:solidFill>
+          </a:ln>
+        </p:spPr>
+        <p:style>
+          <a:lnRef idx="1">
+            <a:schemeClr val="accent1"/>
+          </a:lnRef>
+          <a:fillRef idx="0">
+            <a:schemeClr val="accent1"/>
+          </a:fillRef>
+          <a:effectRef idx="0">
+            <a:schemeClr val="accent1"/>
+          </a:effectRef>
+          <a:fontRef idx="minor">
+            <a:schemeClr val="tx1"/>
+          </a:fontRef>
+        </p:style>
+      </p:cxnSp>
+      <p:cxnSp>
+        <p:nvCxnSpPr>
+          <p:cNvPr id="43" name="Straight Connector 42"/>
+          <p:cNvCxnSpPr/>
+          <p:nvPr/>
+        </p:nvCxnSpPr>
+        <p:spPr>
+          <a:xfrm flipH="1">
+            <a:off x="324387" y="4902606"/>
+            <a:ext cx="47178" cy="47178"/>
+          </a:xfrm>
+          <a:prstGeom prst="line">
+            <a:avLst/>
+          </a:prstGeom>
+          <a:ln>
+            <a:solidFill>
+              <a:schemeClr val="accent2">
+                <a:lumMod val="75000"/>
+              </a:schemeClr>
+            </a:solidFill>
+          </a:ln>
+        </p:spPr>
+        <p:style>
+          <a:lnRef idx="1">
+            <a:schemeClr val="accent1"/>
+          </a:lnRef>
+          <a:fillRef idx="0">
+            <a:schemeClr val="accent1"/>
+          </a:fillRef>
+          <a:effectRef idx="0">
+            <a:schemeClr val="accent1"/>
+          </a:effectRef>
+          <a:fontRef idx="minor">
+            <a:schemeClr val="tx1"/>
+          </a:fontRef>
+        </p:style>
+      </p:cxnSp>
+      <p:cxnSp>
+        <p:nvCxnSpPr>
+          <p:cNvPr id="44" name="Straight Connector 43"/>
+          <p:cNvCxnSpPr/>
+          <p:nvPr/>
+        </p:nvCxnSpPr>
+        <p:spPr>
+          <a:xfrm flipH="1">
+            <a:off x="324387" y="4936812"/>
+            <a:ext cx="47178" cy="47178"/>
+          </a:xfrm>
+          <a:prstGeom prst="line">
+            <a:avLst/>
+          </a:prstGeom>
+          <a:ln>
+            <a:solidFill>
+              <a:schemeClr val="accent2">
+                <a:lumMod val="75000"/>
+              </a:schemeClr>
+            </a:solidFill>
+          </a:ln>
+        </p:spPr>
+        <p:style>
+          <a:lnRef idx="1">
+            <a:schemeClr val="accent1"/>
+          </a:lnRef>
+          <a:fillRef idx="0">
+            <a:schemeClr val="accent1"/>
+          </a:fillRef>
+          <a:effectRef idx="0">
+            <a:schemeClr val="accent1"/>
+          </a:effectRef>
+          <a:fontRef idx="minor">
+            <a:schemeClr val="tx1"/>
+          </a:fontRef>
+        </p:style>
+      </p:cxnSp>
+      <p:cxnSp>
+        <p:nvCxnSpPr>
+          <p:cNvPr id="45" name="Straight Connector 44"/>
+          <p:cNvCxnSpPr/>
+          <p:nvPr/>
+        </p:nvCxnSpPr>
+        <p:spPr>
+          <a:xfrm flipH="1">
+            <a:off x="324387" y="4971467"/>
+            <a:ext cx="47178" cy="47178"/>
+          </a:xfrm>
+          <a:prstGeom prst="line">
+            <a:avLst/>
+          </a:prstGeom>
+          <a:ln>
+            <a:solidFill>
+              <a:schemeClr val="accent2">
+                <a:lumMod val="75000"/>
+              </a:schemeClr>
+            </a:solidFill>
+          </a:ln>
+        </p:spPr>
+        <p:style>
+          <a:lnRef idx="1">
+            <a:schemeClr val="accent1"/>
+          </a:lnRef>
+          <a:fillRef idx="0">
+            <a:schemeClr val="accent1"/>
+          </a:fillRef>
+          <a:effectRef idx="0">
+            <a:schemeClr val="accent1"/>
+          </a:effectRef>
+          <a:fontRef idx="minor">
+            <a:schemeClr val="tx1"/>
+          </a:fontRef>
+        </p:style>
+      </p:cxnSp>
+      <p:cxnSp>
+        <p:nvCxnSpPr>
+          <p:cNvPr id="46" name="Straight Connector 45"/>
+          <p:cNvCxnSpPr/>
+          <p:nvPr/>
+        </p:nvCxnSpPr>
+        <p:spPr>
+          <a:xfrm flipH="1">
+            <a:off x="324385" y="5007384"/>
+            <a:ext cx="47178" cy="47178"/>
+          </a:xfrm>
+          <a:prstGeom prst="line">
+            <a:avLst/>
+          </a:prstGeom>
+          <a:ln>
+            <a:solidFill>
+              <a:schemeClr val="accent2">
+                <a:lumMod val="75000"/>
+              </a:schemeClr>
+            </a:solidFill>
+          </a:ln>
+        </p:spPr>
+        <p:style>
+          <a:lnRef idx="1">
+            <a:schemeClr val="accent1"/>
+          </a:lnRef>
+          <a:fillRef idx="0">
+            <a:schemeClr val="accent1"/>
+          </a:fillRef>
+          <a:effectRef idx="0">
+            <a:schemeClr val="accent1"/>
+          </a:effectRef>
+          <a:fontRef idx="minor">
+            <a:schemeClr val="tx1"/>
+          </a:fontRef>
+        </p:style>
+      </p:cxnSp>
+      <p:cxnSp>
+        <p:nvCxnSpPr>
+          <p:cNvPr id="47" name="Straight Connector 46"/>
+          <p:cNvCxnSpPr/>
+          <p:nvPr/>
+        </p:nvCxnSpPr>
+        <p:spPr>
+          <a:xfrm flipH="1">
+            <a:off x="324385" y="5041590"/>
+            <a:ext cx="47178" cy="47178"/>
+          </a:xfrm>
+          <a:prstGeom prst="line">
+            <a:avLst/>
+          </a:prstGeom>
+          <a:ln>
+            <a:solidFill>
+              <a:schemeClr val="accent2">
+                <a:lumMod val="75000"/>
+              </a:schemeClr>
+            </a:solidFill>
+          </a:ln>
+        </p:spPr>
+        <p:style>
+          <a:lnRef idx="1">
+            <a:schemeClr val="accent1"/>
+          </a:lnRef>
+          <a:fillRef idx="0">
+            <a:schemeClr val="accent1"/>
+          </a:fillRef>
+          <a:effectRef idx="0">
+            <a:schemeClr val="accent1"/>
+          </a:effectRef>
+          <a:fontRef idx="minor">
+            <a:schemeClr val="tx1"/>
+          </a:fontRef>
+        </p:style>
+      </p:cxnSp>
+      <p:cxnSp>
+        <p:nvCxnSpPr>
+          <p:cNvPr id="48" name="Straight Connector 47"/>
+          <p:cNvCxnSpPr/>
+          <p:nvPr/>
+        </p:nvCxnSpPr>
+        <p:spPr>
+          <a:xfrm flipH="1">
+            <a:off x="322003" y="5128825"/>
+            <a:ext cx="47178" cy="47178"/>
+          </a:xfrm>
+          <a:prstGeom prst="line">
+            <a:avLst/>
+          </a:prstGeom>
+          <a:ln>
+            <a:solidFill>
+              <a:schemeClr val="accent2">
+                <a:lumMod val="75000"/>
+              </a:schemeClr>
+            </a:solidFill>
+          </a:ln>
+        </p:spPr>
+        <p:style>
+          <a:lnRef idx="1">
+            <a:schemeClr val="accent1"/>
+          </a:lnRef>
+          <a:fillRef idx="0">
+            <a:schemeClr val="accent1"/>
+          </a:fillRef>
+          <a:effectRef idx="0">
+            <a:schemeClr val="accent1"/>
+          </a:effectRef>
+          <a:fontRef idx="minor">
+            <a:schemeClr val="tx1"/>
+          </a:fontRef>
+        </p:style>
+      </p:cxnSp>
+      <p:cxnSp>
+        <p:nvCxnSpPr>
+          <p:cNvPr id="49" name="Straight Connector 48"/>
+          <p:cNvCxnSpPr/>
+          <p:nvPr/>
+        </p:nvCxnSpPr>
+        <p:spPr>
+          <a:xfrm flipH="1">
+            <a:off x="322003" y="5163031"/>
+            <a:ext cx="47178" cy="47178"/>
+          </a:xfrm>
+          <a:prstGeom prst="line">
+            <a:avLst/>
+          </a:prstGeom>
+          <a:ln>
+            <a:solidFill>
+              <a:schemeClr val="accent2">
+                <a:lumMod val="75000"/>
+              </a:schemeClr>
+            </a:solidFill>
+          </a:ln>
+        </p:spPr>
+        <p:style>
+          <a:lnRef idx="1">
+            <a:schemeClr val="accent1"/>
+          </a:lnRef>
+          <a:fillRef idx="0">
+            <a:schemeClr val="accent1"/>
+          </a:fillRef>
+          <a:effectRef idx="0">
+            <a:schemeClr val="accent1"/>
+          </a:effectRef>
+          <a:fontRef idx="minor">
+            <a:schemeClr val="tx1"/>
+          </a:fontRef>
+        </p:style>
+      </p:cxnSp>
+      <p:cxnSp>
+        <p:nvCxnSpPr>
+          <p:cNvPr id="50" name="Straight Connector 49"/>
+          <p:cNvCxnSpPr/>
+          <p:nvPr/>
+        </p:nvCxnSpPr>
+        <p:spPr>
+          <a:xfrm flipH="1">
+            <a:off x="322003" y="5197686"/>
+            <a:ext cx="47178" cy="47178"/>
+          </a:xfrm>
+          <a:prstGeom prst="line">
+            <a:avLst/>
+          </a:prstGeom>
+          <a:ln>
+            <a:solidFill>
+              <a:schemeClr val="accent2">
+                <a:lumMod val="75000"/>
+              </a:schemeClr>
+            </a:solidFill>
+          </a:ln>
+        </p:spPr>
+        <p:style>
+          <a:lnRef idx="1">
+            <a:schemeClr val="accent1"/>
+          </a:lnRef>
+          <a:fillRef idx="0">
+            <a:schemeClr val="accent1"/>
+          </a:fillRef>
+          <a:effectRef idx="0">
+            <a:schemeClr val="accent1"/>
+          </a:effectRef>
+          <a:fontRef idx="minor">
+            <a:schemeClr val="tx1"/>
+          </a:fontRef>
+        </p:style>
+      </p:cxnSp>
+      <p:cxnSp>
+        <p:nvCxnSpPr>
+          <p:cNvPr id="51" name="Straight Connector 50"/>
+          <p:cNvCxnSpPr/>
+          <p:nvPr/>
+        </p:nvCxnSpPr>
+        <p:spPr>
+          <a:xfrm flipH="1">
+            <a:off x="322001" y="5233603"/>
+            <a:ext cx="47178" cy="47178"/>
+          </a:xfrm>
+          <a:prstGeom prst="line">
+            <a:avLst/>
+          </a:prstGeom>
+          <a:ln>
+            <a:solidFill>
+              <a:schemeClr val="accent2">
+                <a:lumMod val="75000"/>
+              </a:schemeClr>
+            </a:solidFill>
+          </a:ln>
+        </p:spPr>
+        <p:style>
+          <a:lnRef idx="1">
+            <a:schemeClr val="accent1"/>
+          </a:lnRef>
+          <a:fillRef idx="0">
+            <a:schemeClr val="accent1"/>
+          </a:fillRef>
+          <a:effectRef idx="0">
+            <a:schemeClr val="accent1"/>
+          </a:effectRef>
+          <a:fontRef idx="minor">
+            <a:schemeClr val="tx1"/>
+          </a:fontRef>
+        </p:style>
+      </p:cxnSp>
+      <p:cxnSp>
+        <p:nvCxnSpPr>
+          <p:cNvPr id="52" name="Straight Connector 51"/>
+          <p:cNvCxnSpPr/>
+          <p:nvPr/>
+        </p:nvCxnSpPr>
+        <p:spPr>
+          <a:xfrm flipH="1">
+            <a:off x="322001" y="5267809"/>
+            <a:ext cx="47178" cy="47178"/>
+          </a:xfrm>
+          <a:prstGeom prst="line">
+            <a:avLst/>
+          </a:prstGeom>
+          <a:ln>
+            <a:solidFill>
+              <a:schemeClr val="accent2">
+                <a:lumMod val="75000"/>
+              </a:schemeClr>
+            </a:solidFill>
+          </a:ln>
+        </p:spPr>
+        <p:style>
+          <a:lnRef idx="1">
+            <a:schemeClr val="accent1"/>
+          </a:lnRef>
+          <a:fillRef idx="0">
+            <a:schemeClr val="accent1"/>
+          </a:fillRef>
+          <a:effectRef idx="0">
+            <a:schemeClr val="accent1"/>
+          </a:effectRef>
+          <a:fontRef idx="minor">
+            <a:schemeClr val="tx1"/>
+          </a:fontRef>
+        </p:style>
+      </p:cxnSp>
+      <p:grpSp>
+        <p:nvGrpSpPr>
+          <p:cNvPr id="78" name="Group 77"/>
+          <p:cNvGrpSpPr/>
+          <p:nvPr/>
+        </p:nvGrpSpPr>
+        <p:grpSpPr>
+          <a:xfrm flipH="1">
+            <a:off x="3336249" y="4429079"/>
+            <a:ext cx="197109" cy="888636"/>
+            <a:chOff x="3191872" y="4877206"/>
+            <a:chExt cx="180772" cy="888636"/>
+          </a:xfrm>
+        </p:grpSpPr>
+        <p:sp>
+          <p:nvSpPr>
+            <p:cNvPr id="54" name="Isosceles Triangle 53"/>
+            <p:cNvSpPr/>
+            <p:nvPr/>
+          </p:nvSpPr>
+          <p:spPr>
+            <a:xfrm rot="5400000">
+              <a:off x="3231527" y="4889493"/>
+              <a:ext cx="143637" cy="123825"/>
+            </a:xfrm>
+            <a:prstGeom prst="triangle">
+              <a:avLst/>
+            </a:prstGeom>
+            <a:solidFill>
+              <a:schemeClr val="bg1"/>
+            </a:solidFill>
+            <a:ln>
+              <a:solidFill>
+                <a:schemeClr val="accent2">
+                  <a:lumMod val="75000"/>
+                </a:schemeClr>
+              </a:solidFill>
+            </a:ln>
+          </p:spPr>
+          <p:style>
+            <a:lnRef idx="2">
+              <a:schemeClr val="accent1">
+                <a:shade val="50000"/>
+              </a:schemeClr>
+            </a:lnRef>
+            <a:fillRef idx="1">
+              <a:schemeClr val="accent1"/>
+            </a:fillRef>
+            <a:effectRef idx="0">
+              <a:schemeClr val="accent1"/>
+            </a:effectRef>
+            <a:fontRef idx="minor">
+              <a:schemeClr val="lt1"/>
+            </a:fontRef>
+          </p:style>
+          <p:txBody>
+            <a:bodyPr rtlCol="0" anchor="ctr"/>
+            <a:lstStyle/>
+            <a:p>
+              <a:pPr algn="ctr"/>
+              <a:endParaRPr lang="en-US"/>
+            </a:p>
+          </p:txBody>
+        </p:sp>
+        <p:sp>
+          <p:nvSpPr>
+            <p:cNvPr id="55" name="Isosceles Triangle 54"/>
+            <p:cNvSpPr/>
+            <p:nvPr/>
+          </p:nvSpPr>
+          <p:spPr>
+            <a:xfrm rot="5400000">
+              <a:off x="3234151" y="5120362"/>
+              <a:ext cx="143637" cy="123825"/>
+            </a:xfrm>
+            <a:prstGeom prst="triangle">
+              <a:avLst/>
+            </a:prstGeom>
+            <a:solidFill>
+              <a:schemeClr val="bg1"/>
+            </a:solidFill>
+            <a:ln>
+              <a:solidFill>
+                <a:schemeClr val="accent2">
+                  <a:lumMod val="75000"/>
+                </a:schemeClr>
+              </a:solidFill>
+            </a:ln>
+          </p:spPr>
+          <p:style>
+            <a:lnRef idx="2">
+              <a:schemeClr val="accent1">
+                <a:shade val="50000"/>
+              </a:schemeClr>
+            </a:lnRef>
+            <a:fillRef idx="1">
+              <a:schemeClr val="accent1"/>
+            </a:fillRef>
+            <a:effectRef idx="0">
+              <a:schemeClr val="accent1"/>
+            </a:effectRef>
+            <a:fontRef idx="minor">
+              <a:schemeClr val="lt1"/>
+            </a:fontRef>
+          </p:style>
+          <p:txBody>
+            <a:bodyPr rtlCol="0" anchor="ctr"/>
+            <a:lstStyle/>
+            <a:p>
+              <a:pPr algn="ctr"/>
+              <a:endParaRPr lang="en-US"/>
+            </a:p>
+          </p:txBody>
+        </p:sp>
+        <p:sp>
+          <p:nvSpPr>
+            <p:cNvPr id="56" name="Isosceles Triangle 55"/>
+            <p:cNvSpPr/>
+            <p:nvPr/>
+          </p:nvSpPr>
+          <p:spPr>
+            <a:xfrm rot="5400000">
+              <a:off x="3238913" y="5365517"/>
+              <a:ext cx="143637" cy="123825"/>
+            </a:xfrm>
+            <a:prstGeom prst="triangle">
+              <a:avLst/>
+            </a:prstGeom>
+            <a:solidFill>
+              <a:schemeClr val="bg1"/>
+            </a:solidFill>
+            <a:ln>
+              <a:solidFill>
+                <a:schemeClr val="accent2">
+                  <a:lumMod val="75000"/>
+                </a:schemeClr>
+              </a:solidFill>
+            </a:ln>
+          </p:spPr>
+          <p:style>
+            <a:lnRef idx="2">
+              <a:schemeClr val="accent1">
+                <a:shade val="50000"/>
+              </a:schemeClr>
+            </a:lnRef>
+            <a:fillRef idx="1">
+              <a:schemeClr val="accent1"/>
+            </a:fillRef>
+            <a:effectRef idx="0">
+              <a:schemeClr val="accent1"/>
+            </a:effectRef>
+            <a:fontRef idx="minor">
+              <a:schemeClr val="lt1"/>
+            </a:fontRef>
+          </p:style>
+          <p:txBody>
+            <a:bodyPr rtlCol="0" anchor="ctr"/>
+            <a:lstStyle/>
+            <a:p>
+              <a:pPr algn="ctr"/>
+              <a:endParaRPr lang="en-US"/>
+            </a:p>
+          </p:txBody>
+        </p:sp>
+        <p:sp>
+          <p:nvSpPr>
+            <p:cNvPr id="57" name="Isosceles Triangle 56"/>
+            <p:cNvSpPr/>
+            <p:nvPr/>
+          </p:nvSpPr>
+          <p:spPr>
+            <a:xfrm rot="5400000">
+              <a:off x="3238913" y="5590796"/>
+              <a:ext cx="143637" cy="123825"/>
+            </a:xfrm>
+            <a:prstGeom prst="triangle">
+              <a:avLst/>
+            </a:prstGeom>
+            <a:solidFill>
+              <a:schemeClr val="bg1"/>
+            </a:solidFill>
+            <a:ln>
+              <a:solidFill>
+                <a:schemeClr val="accent2">
+                  <a:lumMod val="75000"/>
+                </a:schemeClr>
+              </a:solidFill>
+            </a:ln>
+          </p:spPr>
+          <p:style>
+            <a:lnRef idx="2">
+              <a:schemeClr val="accent1">
+                <a:shade val="50000"/>
+              </a:schemeClr>
+            </a:lnRef>
+            <a:fillRef idx="1">
+              <a:schemeClr val="accent1"/>
+            </a:fillRef>
+            <a:effectRef idx="0">
+              <a:schemeClr val="accent1"/>
+            </a:effectRef>
+            <a:fontRef idx="minor">
+              <a:schemeClr val="lt1"/>
+            </a:fontRef>
+          </p:style>
+          <p:txBody>
+            <a:bodyPr rtlCol="0" anchor="ctr"/>
+            <a:lstStyle/>
+            <a:p>
+              <a:pPr algn="ctr"/>
+              <a:endParaRPr lang="en-US"/>
+            </a:p>
+          </p:txBody>
+        </p:sp>
+        <p:cxnSp>
+          <p:nvCxnSpPr>
+            <p:cNvPr id="58" name="Straight Connector 57"/>
+            <p:cNvCxnSpPr/>
+            <p:nvPr/>
+          </p:nvCxnSpPr>
+          <p:spPr>
+            <a:xfrm flipH="1">
+              <a:off x="3191874" y="4877206"/>
+              <a:ext cx="47178" cy="47178"/>
+            </a:xfrm>
+            <a:prstGeom prst="line">
+              <a:avLst/>
+            </a:prstGeom>
+            <a:ln>
+              <a:solidFill>
+                <a:schemeClr val="accent2">
+                  <a:lumMod val="75000"/>
+                </a:schemeClr>
+              </a:solidFill>
+            </a:ln>
+          </p:spPr>
+          <p:style>
+            <a:lnRef idx="1">
+              <a:schemeClr val="accent1"/>
+            </a:lnRef>
+            <a:fillRef idx="0">
+              <a:schemeClr val="accent1"/>
+            </a:fillRef>
+            <a:effectRef idx="0">
+              <a:schemeClr val="accent1"/>
+            </a:effectRef>
+            <a:fontRef idx="minor">
+              <a:schemeClr val="tx1"/>
+            </a:fontRef>
+          </p:style>
+        </p:cxnSp>
+        <p:cxnSp>
+          <p:nvCxnSpPr>
+            <p:cNvPr id="59" name="Straight Connector 58"/>
+            <p:cNvCxnSpPr/>
+            <p:nvPr/>
+          </p:nvCxnSpPr>
+          <p:spPr>
+            <a:xfrm flipH="1">
+              <a:off x="3191874" y="4911412"/>
+              <a:ext cx="47178" cy="47178"/>
+            </a:xfrm>
+            <a:prstGeom prst="line">
+              <a:avLst/>
+            </a:prstGeom>
+            <a:ln>
+              <a:solidFill>
+                <a:schemeClr val="accent2">
+                  <a:lumMod val="75000"/>
+                </a:schemeClr>
+              </a:solidFill>
+            </a:ln>
+          </p:spPr>
+          <p:style>
+            <a:lnRef idx="1">
+              <a:schemeClr val="accent1"/>
+            </a:lnRef>
+            <a:fillRef idx="0">
+              <a:schemeClr val="accent1"/>
+            </a:fillRef>
+            <a:effectRef idx="0">
+              <a:schemeClr val="accent1"/>
+            </a:effectRef>
+            <a:fontRef idx="minor">
+              <a:schemeClr val="tx1"/>
+            </a:fontRef>
+          </p:style>
+        </p:cxnSp>
+        <p:cxnSp>
+          <p:nvCxnSpPr>
+            <p:cNvPr id="60" name="Straight Connector 59"/>
+            <p:cNvCxnSpPr/>
+            <p:nvPr/>
+          </p:nvCxnSpPr>
+          <p:spPr>
+            <a:xfrm flipH="1">
+              <a:off x="3191874" y="4946067"/>
+              <a:ext cx="47178" cy="47178"/>
+            </a:xfrm>
+            <a:prstGeom prst="line">
+              <a:avLst/>
+            </a:prstGeom>
+            <a:ln>
+              <a:solidFill>
+                <a:schemeClr val="accent2">
+                  <a:lumMod val="75000"/>
+                </a:schemeClr>
+              </a:solidFill>
+            </a:ln>
+          </p:spPr>
+          <p:style>
+            <a:lnRef idx="1">
+              <a:schemeClr val="accent1"/>
+            </a:lnRef>
+            <a:fillRef idx="0">
+              <a:schemeClr val="accent1"/>
+            </a:fillRef>
+            <a:effectRef idx="0">
+              <a:schemeClr val="accent1"/>
+            </a:effectRef>
+            <a:fontRef idx="minor">
+              <a:schemeClr val="tx1"/>
+            </a:fontRef>
+          </p:style>
+        </p:cxnSp>
+        <p:cxnSp>
+          <p:nvCxnSpPr>
+            <p:cNvPr id="61" name="Straight Connector 60"/>
+            <p:cNvCxnSpPr/>
+            <p:nvPr/>
+          </p:nvCxnSpPr>
+          <p:spPr>
+            <a:xfrm flipH="1">
+              <a:off x="3191872" y="4981984"/>
+              <a:ext cx="47178" cy="47178"/>
+            </a:xfrm>
+            <a:prstGeom prst="line">
+              <a:avLst/>
+            </a:prstGeom>
+            <a:ln>
+              <a:solidFill>
+                <a:schemeClr val="accent2">
+                  <a:lumMod val="75000"/>
+                </a:schemeClr>
+              </a:solidFill>
+            </a:ln>
+          </p:spPr>
+          <p:style>
+            <a:lnRef idx="1">
+              <a:schemeClr val="accent1"/>
+            </a:lnRef>
+            <a:fillRef idx="0">
+              <a:schemeClr val="accent1"/>
+            </a:fillRef>
+            <a:effectRef idx="0">
+              <a:schemeClr val="accent1"/>
+            </a:effectRef>
+            <a:fontRef idx="minor">
+              <a:schemeClr val="tx1"/>
+            </a:fontRef>
+          </p:style>
+        </p:cxnSp>
+        <p:cxnSp>
+          <p:nvCxnSpPr>
+            <p:cNvPr id="62" name="Straight Connector 61"/>
+            <p:cNvCxnSpPr/>
+            <p:nvPr/>
+          </p:nvCxnSpPr>
+          <p:spPr>
+            <a:xfrm flipH="1">
+              <a:off x="3191872" y="5016190"/>
+              <a:ext cx="47178" cy="47178"/>
+            </a:xfrm>
+            <a:prstGeom prst="line">
+              <a:avLst/>
+            </a:prstGeom>
+            <a:ln>
+              <a:solidFill>
+                <a:schemeClr val="accent2">
+                  <a:lumMod val="75000"/>
+                </a:schemeClr>
+              </a:solidFill>
+            </a:ln>
+          </p:spPr>
+          <p:style>
+            <a:lnRef idx="1">
+              <a:schemeClr val="accent1"/>
+            </a:lnRef>
+            <a:fillRef idx="0">
+              <a:schemeClr val="accent1"/>
+            </a:fillRef>
+            <a:effectRef idx="0">
+              <a:schemeClr val="accent1"/>
+            </a:effectRef>
+            <a:fontRef idx="minor">
+              <a:schemeClr val="tx1"/>
+            </a:fontRef>
+          </p:style>
+        </p:cxnSp>
+        <p:cxnSp>
+          <p:nvCxnSpPr>
+            <p:cNvPr id="63" name="Straight Connector 62"/>
+            <p:cNvCxnSpPr/>
+            <p:nvPr/>
+          </p:nvCxnSpPr>
+          <p:spPr>
+            <a:xfrm flipH="1">
+              <a:off x="3194255" y="5108190"/>
+              <a:ext cx="47178" cy="47178"/>
+            </a:xfrm>
+            <a:prstGeom prst="line">
+              <a:avLst/>
+            </a:prstGeom>
+            <a:ln>
+              <a:solidFill>
+                <a:schemeClr val="accent2">
+                  <a:lumMod val="75000"/>
+                </a:schemeClr>
+              </a:solidFill>
+            </a:ln>
+          </p:spPr>
+          <p:style>
+            <a:lnRef idx="1">
+              <a:schemeClr val="accent1"/>
+            </a:lnRef>
+            <a:fillRef idx="0">
+              <a:schemeClr val="accent1"/>
+            </a:fillRef>
+            <a:effectRef idx="0">
+              <a:schemeClr val="accent1"/>
+            </a:effectRef>
+            <a:fontRef idx="minor">
+              <a:schemeClr val="tx1"/>
+            </a:fontRef>
+          </p:style>
+        </p:cxnSp>
+        <p:cxnSp>
+          <p:nvCxnSpPr>
+            <p:cNvPr id="64" name="Straight Connector 63"/>
+            <p:cNvCxnSpPr/>
+            <p:nvPr/>
+          </p:nvCxnSpPr>
+          <p:spPr>
+            <a:xfrm flipH="1">
+              <a:off x="3194255" y="5142396"/>
+              <a:ext cx="47178" cy="47178"/>
+            </a:xfrm>
+            <a:prstGeom prst="line">
+              <a:avLst/>
+            </a:prstGeom>
+            <a:ln>
+              <a:solidFill>
+                <a:schemeClr val="accent2">
+                  <a:lumMod val="75000"/>
+                </a:schemeClr>
+              </a:solidFill>
+            </a:ln>
+          </p:spPr>
+          <p:style>
+            <a:lnRef idx="1">
+              <a:schemeClr val="accent1"/>
+            </a:lnRef>
+            <a:fillRef idx="0">
+              <a:schemeClr val="accent1"/>
+            </a:fillRef>
+            <a:effectRef idx="0">
+              <a:schemeClr val="accent1"/>
+            </a:effectRef>
+            <a:fontRef idx="minor">
+              <a:schemeClr val="tx1"/>
+            </a:fontRef>
+          </p:style>
+        </p:cxnSp>
+        <p:cxnSp>
+          <p:nvCxnSpPr>
+            <p:cNvPr id="65" name="Straight Connector 64"/>
+            <p:cNvCxnSpPr/>
+            <p:nvPr/>
+          </p:nvCxnSpPr>
+          <p:spPr>
+            <a:xfrm flipH="1">
+              <a:off x="3194255" y="5177051"/>
+              <a:ext cx="47178" cy="47178"/>
+            </a:xfrm>
+            <a:prstGeom prst="line">
+              <a:avLst/>
+            </a:prstGeom>
+            <a:ln>
+              <a:solidFill>
+                <a:schemeClr val="accent2">
+                  <a:lumMod val="75000"/>
+                </a:schemeClr>
+              </a:solidFill>
+            </a:ln>
+          </p:spPr>
+          <p:style>
+            <a:lnRef idx="1">
+              <a:schemeClr val="accent1"/>
+            </a:lnRef>
+            <a:fillRef idx="0">
+              <a:schemeClr val="accent1"/>
+            </a:fillRef>
+            <a:effectRef idx="0">
+              <a:schemeClr val="accent1"/>
+            </a:effectRef>
+            <a:fontRef idx="minor">
+              <a:schemeClr val="tx1"/>
+            </a:fontRef>
+          </p:style>
+        </p:cxnSp>
+        <p:cxnSp>
+          <p:nvCxnSpPr>
+            <p:cNvPr id="66" name="Straight Connector 65"/>
+            <p:cNvCxnSpPr/>
+            <p:nvPr/>
+          </p:nvCxnSpPr>
+          <p:spPr>
+            <a:xfrm flipH="1">
+              <a:off x="3194253" y="5212968"/>
+              <a:ext cx="47178" cy="47178"/>
+            </a:xfrm>
+            <a:prstGeom prst="line">
+              <a:avLst/>
+            </a:prstGeom>
+            <a:ln>
+              <a:solidFill>
+                <a:schemeClr val="accent2">
+                  <a:lumMod val="75000"/>
+                </a:schemeClr>
+              </a:solidFill>
+            </a:ln>
+          </p:spPr>
+          <p:style>
+            <a:lnRef idx="1">
+              <a:schemeClr val="accent1"/>
+            </a:lnRef>
+            <a:fillRef idx="0">
+              <a:schemeClr val="accent1"/>
+            </a:fillRef>
+            <a:effectRef idx="0">
+              <a:schemeClr val="accent1"/>
+            </a:effectRef>
+            <a:fontRef idx="minor">
+              <a:schemeClr val="tx1"/>
+            </a:fontRef>
+          </p:style>
+        </p:cxnSp>
+        <p:cxnSp>
+          <p:nvCxnSpPr>
+            <p:cNvPr id="67" name="Straight Connector 66"/>
+            <p:cNvCxnSpPr/>
+            <p:nvPr/>
+          </p:nvCxnSpPr>
+          <p:spPr>
+            <a:xfrm flipH="1">
+              <a:off x="3194253" y="5247174"/>
+              <a:ext cx="47178" cy="47178"/>
+            </a:xfrm>
+            <a:prstGeom prst="line">
+              <a:avLst/>
+            </a:prstGeom>
+            <a:ln>
+              <a:solidFill>
+                <a:schemeClr val="accent2">
+                  <a:lumMod val="75000"/>
+                </a:schemeClr>
+              </a:solidFill>
+            </a:ln>
+          </p:spPr>
+          <p:style>
+            <a:lnRef idx="1">
+              <a:schemeClr val="accent1"/>
+            </a:lnRef>
+            <a:fillRef idx="0">
+              <a:schemeClr val="accent1"/>
+            </a:fillRef>
+            <a:effectRef idx="0">
+              <a:schemeClr val="accent1"/>
+            </a:effectRef>
+            <a:fontRef idx="minor">
+              <a:schemeClr val="tx1"/>
+            </a:fontRef>
+          </p:style>
+        </p:cxnSp>
+        <p:cxnSp>
+          <p:nvCxnSpPr>
+            <p:cNvPr id="68" name="Straight Connector 67"/>
+            <p:cNvCxnSpPr/>
+            <p:nvPr/>
+          </p:nvCxnSpPr>
+          <p:spPr>
+            <a:xfrm flipH="1">
+              <a:off x="3201396" y="5353461"/>
+              <a:ext cx="47178" cy="47178"/>
+            </a:xfrm>
+            <a:prstGeom prst="line">
+              <a:avLst/>
+            </a:prstGeom>
+            <a:ln>
+              <a:solidFill>
+                <a:schemeClr val="accent2">
+                  <a:lumMod val="75000"/>
+                </a:schemeClr>
+              </a:solidFill>
+            </a:ln>
+          </p:spPr>
+          <p:style>
+            <a:lnRef idx="1">
+              <a:schemeClr val="accent1"/>
+            </a:lnRef>
+            <a:fillRef idx="0">
+              <a:schemeClr val="accent1"/>
+            </a:fillRef>
+            <a:effectRef idx="0">
+              <a:schemeClr val="accent1"/>
+            </a:effectRef>
+            <a:fontRef idx="minor">
+              <a:schemeClr val="tx1"/>
+            </a:fontRef>
+          </p:style>
+        </p:cxnSp>
+        <p:cxnSp>
+          <p:nvCxnSpPr>
+            <p:cNvPr id="69" name="Straight Connector 68"/>
+            <p:cNvCxnSpPr/>
+            <p:nvPr/>
+          </p:nvCxnSpPr>
+          <p:spPr>
+            <a:xfrm flipH="1">
+              <a:off x="3201396" y="5387667"/>
+              <a:ext cx="47178" cy="47178"/>
+            </a:xfrm>
+            <a:prstGeom prst="line">
+              <a:avLst/>
+            </a:prstGeom>
+            <a:ln>
+              <a:solidFill>
+                <a:schemeClr val="accent2">
+                  <a:lumMod val="75000"/>
+                </a:schemeClr>
+              </a:solidFill>
+            </a:ln>
+          </p:spPr>
+          <p:style>
+            <a:lnRef idx="1">
+              <a:schemeClr val="accent1"/>
+            </a:lnRef>
+            <a:fillRef idx="0">
+              <a:schemeClr val="accent1"/>
+            </a:fillRef>
+            <a:effectRef idx="0">
+              <a:schemeClr val="accent1"/>
+            </a:effectRef>
+            <a:fontRef idx="minor">
+              <a:schemeClr val="tx1"/>
+            </a:fontRef>
+          </p:style>
+        </p:cxnSp>
+        <p:cxnSp>
+          <p:nvCxnSpPr>
+            <p:cNvPr id="70" name="Straight Connector 69"/>
+            <p:cNvCxnSpPr/>
+            <p:nvPr/>
+          </p:nvCxnSpPr>
+          <p:spPr>
+            <a:xfrm flipH="1">
+              <a:off x="3201396" y="5422322"/>
+              <a:ext cx="47178" cy="47178"/>
+            </a:xfrm>
+            <a:prstGeom prst="line">
+              <a:avLst/>
+            </a:prstGeom>
+            <a:ln>
+              <a:solidFill>
+                <a:schemeClr val="accent2">
+                  <a:lumMod val="75000"/>
+                </a:schemeClr>
+              </a:solidFill>
+            </a:ln>
+          </p:spPr>
+          <p:style>
+            <a:lnRef idx="1">
+              <a:schemeClr val="accent1"/>
+            </a:lnRef>
+            <a:fillRef idx="0">
+              <a:schemeClr val="accent1"/>
+            </a:fillRef>
+            <a:effectRef idx="0">
+              <a:schemeClr val="accent1"/>
+            </a:effectRef>
+            <a:fontRef idx="minor">
+              <a:schemeClr val="tx1"/>
+            </a:fontRef>
+          </p:style>
+        </p:cxnSp>
+        <p:cxnSp>
+          <p:nvCxnSpPr>
+            <p:cNvPr id="71" name="Straight Connector 70"/>
+            <p:cNvCxnSpPr/>
+            <p:nvPr/>
+          </p:nvCxnSpPr>
+          <p:spPr>
+            <a:xfrm flipH="1">
+              <a:off x="3201394" y="5458239"/>
+              <a:ext cx="47178" cy="47178"/>
+            </a:xfrm>
+            <a:prstGeom prst="line">
+              <a:avLst/>
+            </a:prstGeom>
+            <a:ln>
+              <a:solidFill>
+                <a:schemeClr val="accent2">
+                  <a:lumMod val="75000"/>
+                </a:schemeClr>
+              </a:solidFill>
+            </a:ln>
+          </p:spPr>
+          <p:style>
+            <a:lnRef idx="1">
+              <a:schemeClr val="accent1"/>
+            </a:lnRef>
+            <a:fillRef idx="0">
+              <a:schemeClr val="accent1"/>
+            </a:fillRef>
+            <a:effectRef idx="0">
+              <a:schemeClr val="accent1"/>
+            </a:effectRef>
+            <a:fontRef idx="minor">
+              <a:schemeClr val="tx1"/>
+            </a:fontRef>
+          </p:style>
+        </p:cxnSp>
+        <p:cxnSp>
+          <p:nvCxnSpPr>
+            <p:cNvPr id="72" name="Straight Connector 71"/>
+            <p:cNvCxnSpPr/>
+            <p:nvPr/>
+          </p:nvCxnSpPr>
+          <p:spPr>
+            <a:xfrm flipH="1">
+              <a:off x="3201394" y="5492445"/>
+              <a:ext cx="47178" cy="47178"/>
+            </a:xfrm>
+            <a:prstGeom prst="line">
+              <a:avLst/>
+            </a:prstGeom>
+            <a:ln>
+              <a:solidFill>
+                <a:schemeClr val="accent2">
+                  <a:lumMod val="75000"/>
+                </a:schemeClr>
+              </a:solidFill>
+            </a:ln>
+          </p:spPr>
+          <p:style>
+            <a:lnRef idx="1">
+              <a:schemeClr val="accent1"/>
+            </a:lnRef>
+            <a:fillRef idx="0">
+              <a:schemeClr val="accent1"/>
+            </a:fillRef>
+            <a:effectRef idx="0">
+              <a:schemeClr val="accent1"/>
+            </a:effectRef>
+            <a:fontRef idx="minor">
+              <a:schemeClr val="tx1"/>
+            </a:fontRef>
+          </p:style>
+        </p:cxnSp>
+        <p:cxnSp>
+          <p:nvCxnSpPr>
+            <p:cNvPr id="73" name="Straight Connector 72"/>
+            <p:cNvCxnSpPr/>
+            <p:nvPr/>
+          </p:nvCxnSpPr>
+          <p:spPr>
+            <a:xfrm flipH="1">
+              <a:off x="3199012" y="5579680"/>
+              <a:ext cx="47178" cy="47178"/>
+            </a:xfrm>
+            <a:prstGeom prst="line">
+              <a:avLst/>
+            </a:prstGeom>
+            <a:ln>
+              <a:solidFill>
+                <a:schemeClr val="accent2">
+                  <a:lumMod val="75000"/>
+                </a:schemeClr>
+              </a:solidFill>
+            </a:ln>
+          </p:spPr>
+          <p:style>
+            <a:lnRef idx="1">
+              <a:schemeClr val="accent1"/>
+            </a:lnRef>
+            <a:fillRef idx="0">
+              <a:schemeClr val="accent1"/>
+            </a:fillRef>
+            <a:effectRef idx="0">
+              <a:schemeClr val="accent1"/>
+            </a:effectRef>
+            <a:fontRef idx="minor">
+              <a:schemeClr val="tx1"/>
+            </a:fontRef>
+          </p:style>
+        </p:cxnSp>
+        <p:cxnSp>
+          <p:nvCxnSpPr>
+            <p:cNvPr id="74" name="Straight Connector 73"/>
+            <p:cNvCxnSpPr/>
+            <p:nvPr/>
+          </p:nvCxnSpPr>
+          <p:spPr>
+            <a:xfrm flipH="1">
+              <a:off x="3199012" y="5613886"/>
+              <a:ext cx="47178" cy="47178"/>
+            </a:xfrm>
+            <a:prstGeom prst="line">
+              <a:avLst/>
+            </a:prstGeom>
+            <a:ln>
+              <a:solidFill>
+                <a:schemeClr val="accent2">
+                  <a:lumMod val="75000"/>
+                </a:schemeClr>
+              </a:solidFill>
+            </a:ln>
+          </p:spPr>
+          <p:style>
+            <a:lnRef idx="1">
+              <a:schemeClr val="accent1"/>
+            </a:lnRef>
+            <a:fillRef idx="0">
+              <a:schemeClr val="accent1"/>
+            </a:fillRef>
+            <a:effectRef idx="0">
+              <a:schemeClr val="accent1"/>
+            </a:effectRef>
+            <a:fontRef idx="minor">
+              <a:schemeClr val="tx1"/>
+            </a:fontRef>
+          </p:style>
+        </p:cxnSp>
+        <p:cxnSp>
+          <p:nvCxnSpPr>
+            <p:cNvPr id="75" name="Straight Connector 74"/>
+            <p:cNvCxnSpPr/>
+            <p:nvPr/>
+          </p:nvCxnSpPr>
+          <p:spPr>
+            <a:xfrm flipH="1">
+              <a:off x="3199012" y="5648541"/>
+              <a:ext cx="47178" cy="47178"/>
+            </a:xfrm>
+            <a:prstGeom prst="line">
+              <a:avLst/>
+            </a:prstGeom>
+            <a:ln>
+              <a:solidFill>
+                <a:schemeClr val="accent2">
+                  <a:lumMod val="75000"/>
+                </a:schemeClr>
+              </a:solidFill>
+            </a:ln>
+          </p:spPr>
+          <p:style>
+            <a:lnRef idx="1">
+              <a:schemeClr val="accent1"/>
+            </a:lnRef>
+            <a:fillRef idx="0">
+              <a:schemeClr val="accent1"/>
+            </a:fillRef>
+            <a:effectRef idx="0">
+              <a:schemeClr val="accent1"/>
+            </a:effectRef>
+            <a:fontRef idx="minor">
+              <a:schemeClr val="tx1"/>
+            </a:fontRef>
+          </p:style>
+        </p:cxnSp>
+        <p:cxnSp>
+          <p:nvCxnSpPr>
+            <p:cNvPr id="76" name="Straight Connector 75"/>
+            <p:cNvCxnSpPr/>
+            <p:nvPr/>
+          </p:nvCxnSpPr>
+          <p:spPr>
+            <a:xfrm flipH="1">
+              <a:off x="3199010" y="5684458"/>
+              <a:ext cx="47178" cy="47178"/>
+            </a:xfrm>
+            <a:prstGeom prst="line">
+              <a:avLst/>
+            </a:prstGeom>
+            <a:ln>
+              <a:solidFill>
+                <a:schemeClr val="accent2">
+                  <a:lumMod val="75000"/>
+                </a:schemeClr>
+              </a:solidFill>
+            </a:ln>
+          </p:spPr>
+          <p:style>
+            <a:lnRef idx="1">
+              <a:schemeClr val="accent1"/>
+            </a:lnRef>
+            <a:fillRef idx="0">
+              <a:schemeClr val="accent1"/>
+            </a:fillRef>
+            <a:effectRef idx="0">
+              <a:schemeClr val="accent1"/>
+            </a:effectRef>
+            <a:fontRef idx="minor">
+              <a:schemeClr val="tx1"/>
+            </a:fontRef>
+          </p:style>
+        </p:cxnSp>
+        <p:cxnSp>
+          <p:nvCxnSpPr>
+            <p:cNvPr id="77" name="Straight Connector 76"/>
+            <p:cNvCxnSpPr/>
+            <p:nvPr/>
+          </p:nvCxnSpPr>
+          <p:spPr>
+            <a:xfrm flipH="1">
+              <a:off x="3199010" y="5718664"/>
+              <a:ext cx="47178" cy="47178"/>
+            </a:xfrm>
+            <a:prstGeom prst="line">
+              <a:avLst/>
+            </a:prstGeom>
+            <a:ln>
+              <a:solidFill>
+                <a:schemeClr val="accent2">
+                  <a:lumMod val="75000"/>
+                </a:schemeClr>
+              </a:solidFill>
+            </a:ln>
+          </p:spPr>
+          <p:style>
+            <a:lnRef idx="1">
+              <a:schemeClr val="accent1"/>
+            </a:lnRef>
+            <a:fillRef idx="0">
+              <a:schemeClr val="accent1"/>
+            </a:fillRef>
+            <a:effectRef idx="0">
+              <a:schemeClr val="accent1"/>
+            </a:effectRef>
+            <a:fontRef idx="minor">
+              <a:schemeClr val="tx1"/>
+            </a:fontRef>
+          </p:style>
+        </p:cxnSp>
+      </p:grpSp>
+      <p:sp>
+        <p:nvSpPr>
+          <p:cNvPr id="83" name="Up Arrow 82"/>
+          <p:cNvSpPr/>
+          <p:nvPr/>
+        </p:nvSpPr>
+        <p:spPr>
+          <a:xfrm>
+            <a:off x="5213003" y="4749785"/>
+            <a:ext cx="79718" cy="342968"/>
+          </a:xfrm>
+          <a:prstGeom prst="upArrow">
+            <a:avLst/>
+          </a:prstGeom>
+          <a:solidFill>
+            <a:srgbClr val="FFFF00"/>
+          </a:solidFill>
+          <a:ln w="6350">
+            <a:solidFill>
+              <a:schemeClr val="tx1"/>
+            </a:solidFill>
+          </a:ln>
+        </p:spPr>
+        <p:style>
+          <a:lnRef idx="2">
+            <a:schemeClr val="accent1">
+              <a:shade val="50000"/>
+            </a:schemeClr>
+          </a:lnRef>
+          <a:fillRef idx="1">
+            <a:schemeClr val="accent1"/>
+          </a:fillRef>
+          <a:effectRef idx="0">
+            <a:schemeClr val="accent1"/>
+          </a:effectRef>
+          <a:fontRef idx="minor">
+            <a:schemeClr val="lt1"/>
+          </a:fontRef>
+        </p:style>
+        <p:txBody>
+          <a:bodyPr rtlCol="0" anchor="ctr"/>
+          <a:lstStyle/>
+          <a:p>
+            <a:pPr algn="ctr"/>
+            <a:endParaRPr lang="en-US"/>
+          </a:p>
+        </p:txBody>
+      </p:sp>
+      <p:sp>
+        <p:nvSpPr>
+          <p:cNvPr id="84" name="Up Arrow 83"/>
+          <p:cNvSpPr/>
+          <p:nvPr/>
+        </p:nvSpPr>
+        <p:spPr>
+          <a:xfrm rot="5400000">
+            <a:off x="2022578" y="5009086"/>
+            <a:ext cx="79718" cy="342968"/>
+          </a:xfrm>
+          <a:prstGeom prst="upArrow">
+            <a:avLst/>
+          </a:prstGeom>
+          <a:solidFill>
+            <a:srgbClr val="FFFF00"/>
+          </a:solidFill>
+          <a:ln w="6350">
+            <a:noFill/>
+          </a:ln>
+        </p:spPr>
+        <p:style>
+          <a:lnRef idx="2">
+            <a:schemeClr val="accent1">
+              <a:shade val="50000"/>
+            </a:schemeClr>
+          </a:lnRef>
+          <a:fillRef idx="1">
+            <a:schemeClr val="accent1"/>
+          </a:fillRef>
+          <a:effectRef idx="0">
+            <a:schemeClr val="accent1"/>
+          </a:effectRef>
+          <a:fontRef idx="minor">
+            <a:schemeClr val="lt1"/>
+          </a:fontRef>
+        </p:style>
+        <p:txBody>
+          <a:bodyPr rtlCol="0" anchor="ctr"/>
+          <a:lstStyle/>
+          <a:p>
+            <a:pPr algn="ctr"/>
+            <a:endParaRPr lang="en-US"/>
+          </a:p>
+        </p:txBody>
+      </p:sp>
+      <p:sp>
+        <p:nvSpPr>
+          <p:cNvPr id="85" name="Up Arrow 84"/>
+          <p:cNvSpPr/>
+          <p:nvPr/>
+        </p:nvSpPr>
+        <p:spPr>
+          <a:xfrm rot="3600000">
+            <a:off x="2019263" y="4928080"/>
+            <a:ext cx="79718" cy="342968"/>
+          </a:xfrm>
+          <a:prstGeom prst="upArrow">
+            <a:avLst/>
+          </a:prstGeom>
+          <a:solidFill>
+            <a:srgbClr val="FFFF00"/>
+          </a:solidFill>
+          <a:ln w="6350">
+            <a:noFill/>
+          </a:ln>
+        </p:spPr>
+        <p:style>
+          <a:lnRef idx="2">
+            <a:schemeClr val="accent1">
+              <a:shade val="50000"/>
+            </a:schemeClr>
+          </a:lnRef>
+          <a:fillRef idx="1">
+            <a:schemeClr val="accent1"/>
+          </a:fillRef>
+          <a:effectRef idx="0">
+            <a:schemeClr val="accent1"/>
+          </a:effectRef>
+          <a:fontRef idx="minor">
+            <a:schemeClr val="lt1"/>
+          </a:fontRef>
+        </p:style>
+        <p:txBody>
+          <a:bodyPr rtlCol="0" anchor="ctr"/>
+          <a:lstStyle/>
+          <a:p>
+            <a:pPr algn="ctr"/>
+            <a:endParaRPr lang="en-US"/>
+          </a:p>
+        </p:txBody>
+      </p:sp>
+      <p:sp>
+        <p:nvSpPr>
+          <p:cNvPr id="86" name="Up Arrow 85"/>
+          <p:cNvSpPr/>
+          <p:nvPr/>
+        </p:nvSpPr>
+        <p:spPr>
+          <a:xfrm rot="1800000">
+            <a:off x="1954810" y="4876909"/>
+            <a:ext cx="79718" cy="342968"/>
+          </a:xfrm>
+          <a:prstGeom prst="upArrow">
+            <a:avLst/>
+          </a:prstGeom>
+          <a:solidFill>
+            <a:srgbClr val="FFFF00"/>
+          </a:solidFill>
+          <a:ln w="6350">
+            <a:noFill/>
+          </a:ln>
+        </p:spPr>
+        <p:style>
+          <a:lnRef idx="2">
+            <a:schemeClr val="accent1">
+              <a:shade val="50000"/>
+            </a:schemeClr>
+          </a:lnRef>
+          <a:fillRef idx="1">
+            <a:schemeClr val="accent1"/>
+          </a:fillRef>
+          <a:effectRef idx="0">
+            <a:schemeClr val="accent1"/>
+          </a:effectRef>
+          <a:fontRef idx="minor">
+            <a:schemeClr val="lt1"/>
+          </a:fontRef>
+        </p:style>
+        <p:txBody>
+          <a:bodyPr rtlCol="0" anchor="ctr"/>
+          <a:lstStyle/>
+          <a:p>
+            <a:pPr algn="ctr"/>
+            <a:endParaRPr lang="en-US"/>
+          </a:p>
+        </p:txBody>
+      </p:sp>
+      <p:grpSp>
+        <p:nvGrpSpPr>
+          <p:cNvPr id="90" name="Group 89"/>
+          <p:cNvGrpSpPr/>
+          <p:nvPr/>
+        </p:nvGrpSpPr>
+        <p:grpSpPr>
+          <a:xfrm flipH="1">
+            <a:off x="1604516" y="4876965"/>
+            <a:ext cx="323084" cy="343520"/>
+            <a:chOff x="2040038" y="5029309"/>
+            <a:chExt cx="346283" cy="343520"/>
+          </a:xfrm>
+        </p:grpSpPr>
+        <p:sp>
+          <p:nvSpPr>
+            <p:cNvPr id="87" name="Up Arrow 86"/>
+            <p:cNvSpPr/>
+            <p:nvPr/>
+          </p:nvSpPr>
+          <p:spPr>
+            <a:xfrm rot="5400000">
+              <a:off x="2174978" y="5161486"/>
+              <a:ext cx="79718" cy="342968"/>
+            </a:xfrm>
+            <a:prstGeom prst="upArrow">
+              <a:avLst/>
+            </a:prstGeom>
+            <a:solidFill>
+              <a:srgbClr val="FFFF00"/>
+            </a:solidFill>
+            <a:ln w="6350">
+              <a:noFill/>
+            </a:ln>
+          </p:spPr>
+          <p:style>
+            <a:lnRef idx="2">
+              <a:schemeClr val="accent1">
+                <a:shade val="50000"/>
+              </a:schemeClr>
+            </a:lnRef>
+            <a:fillRef idx="1">
+              <a:schemeClr val="accent1"/>
+            </a:fillRef>
+            <a:effectRef idx="0">
+              <a:schemeClr val="accent1"/>
+            </a:effectRef>
+            <a:fontRef idx="minor">
+              <a:schemeClr val="lt1"/>
+            </a:fontRef>
+          </p:style>
+          <p:txBody>
+            <a:bodyPr rtlCol="0" anchor="ctr"/>
+            <a:lstStyle/>
+            <a:p>
+              <a:pPr algn="ctr"/>
+              <a:endParaRPr lang="en-US"/>
+            </a:p>
+          </p:txBody>
+        </p:sp>
+        <p:sp>
+          <p:nvSpPr>
+            <p:cNvPr id="88" name="Up Arrow 87"/>
+            <p:cNvSpPr/>
+            <p:nvPr/>
+          </p:nvSpPr>
+          <p:spPr>
+            <a:xfrm rot="3600000">
+              <a:off x="2171663" y="5080480"/>
+              <a:ext cx="79718" cy="342968"/>
+            </a:xfrm>
+            <a:prstGeom prst="upArrow">
+              <a:avLst/>
+            </a:prstGeom>
+            <a:solidFill>
+              <a:srgbClr val="FFFF00"/>
+            </a:solidFill>
+            <a:ln w="6350">
+              <a:noFill/>
+            </a:ln>
+          </p:spPr>
+          <p:style>
+            <a:lnRef idx="2">
+              <a:schemeClr val="accent1">
+                <a:shade val="50000"/>
+              </a:schemeClr>
+            </a:lnRef>
+            <a:fillRef idx="1">
+              <a:schemeClr val="accent1"/>
+            </a:fillRef>
+            <a:effectRef idx="0">
+              <a:schemeClr val="accent1"/>
+            </a:effectRef>
+            <a:fontRef idx="minor">
+              <a:schemeClr val="lt1"/>
+            </a:fontRef>
+          </p:style>
+          <p:txBody>
+            <a:bodyPr rtlCol="0" anchor="ctr"/>
+            <a:lstStyle/>
+            <a:p>
+              <a:pPr algn="ctr"/>
+              <a:endParaRPr lang="en-US"/>
+            </a:p>
+          </p:txBody>
+        </p:sp>
+        <p:sp>
+          <p:nvSpPr>
+            <p:cNvPr id="89" name="Up Arrow 88"/>
+            <p:cNvSpPr/>
+            <p:nvPr/>
+          </p:nvSpPr>
+          <p:spPr>
+            <a:xfrm rot="1800000">
+              <a:off x="2107210" y="5029309"/>
+              <a:ext cx="79718" cy="342968"/>
+            </a:xfrm>
+            <a:prstGeom prst="upArrow">
+              <a:avLst/>
+            </a:prstGeom>
+            <a:solidFill>
+              <a:srgbClr val="FFFF00"/>
+            </a:solidFill>
+            <a:ln w="6350">
+              <a:noFill/>
+            </a:ln>
+          </p:spPr>
+          <p:style>
+            <a:lnRef idx="2">
+              <a:schemeClr val="accent1">
+                <a:shade val="50000"/>
+              </a:schemeClr>
+            </a:lnRef>
+            <a:fillRef idx="1">
+              <a:schemeClr val="accent1"/>
+            </a:fillRef>
+            <a:effectRef idx="0">
+              <a:schemeClr val="accent1"/>
+            </a:effectRef>
+            <a:fontRef idx="minor">
+              <a:schemeClr val="lt1"/>
+            </a:fontRef>
+          </p:style>
+          <p:txBody>
+            <a:bodyPr rtlCol="0" anchor="ctr"/>
+            <a:lstStyle/>
+            <a:p>
+              <a:pPr algn="ctr"/>
+              <a:endParaRPr lang="en-US"/>
+            </a:p>
+          </p:txBody>
+        </p:sp>
+      </p:grpSp>
+      <p:sp>
+        <p:nvSpPr>
+          <p:cNvPr id="81" name="Up Arrow 80"/>
+          <p:cNvSpPr/>
+          <p:nvPr/>
+        </p:nvSpPr>
+        <p:spPr>
+          <a:xfrm>
+            <a:off x="1870178" y="4853511"/>
+            <a:ext cx="79718" cy="342968"/>
+          </a:xfrm>
+          <a:prstGeom prst="upArrow">
+            <a:avLst/>
+          </a:prstGeom>
+          <a:solidFill>
+            <a:srgbClr val="FFFF00"/>
+          </a:solidFill>
+          <a:ln w="6350">
+            <a:solidFill>
+              <a:schemeClr val="tx1"/>
+            </a:solidFill>
+          </a:ln>
+        </p:spPr>
+        <p:style>
+          <a:lnRef idx="2">
+            <a:schemeClr val="accent1">
+              <a:shade val="50000"/>
+            </a:schemeClr>
+          </a:lnRef>
+          <a:fillRef idx="1">
+            <a:schemeClr val="accent1"/>
+          </a:fillRef>
+          <a:effectRef idx="0">
+            <a:schemeClr val="accent1"/>
+          </a:effectRef>
+          <a:fontRef idx="minor">
+            <a:schemeClr val="lt1"/>
+          </a:fontRef>
+        </p:style>
+        <p:txBody>
+          <a:bodyPr rtlCol="0" anchor="ctr"/>
+          <a:lstStyle/>
+          <a:p>
+            <a:pPr algn="ctr"/>
+            <a:endParaRPr lang="en-US"/>
+          </a:p>
+        </p:txBody>
+      </p:sp>
+      <p:sp>
+        <p:nvSpPr>
+          <p:cNvPr id="91" name="TextBox 90"/>
+          <p:cNvSpPr txBox="1"/>
+          <p:nvPr/>
+        </p:nvSpPr>
+        <p:spPr>
+          <a:xfrm>
+            <a:off x="1844748" y="5618619"/>
+            <a:ext cx="1937710" cy="307777"/>
+          </a:xfrm>
+          <a:prstGeom prst="rect">
+            <a:avLst/>
+          </a:prstGeom>
+          <a:noFill/>
+        </p:spPr>
+        <p:txBody>
+          <a:bodyPr wrap="none" rtlCol="0">
+            <a:spAutoFit/>
+          </a:bodyPr>
+          <a:lstStyle/>
+          <a:p>
+            <a:r>
+              <a:rPr lang="en-US" sz="1400" dirty="0" smtClean="0"/>
+              <a:t>Input for this simulation</a:t>
+            </a:r>
+            <a:endParaRPr lang="en-US" sz="1400" dirty="0"/>
+          </a:p>
+        </p:txBody>
+      </p:sp>
+      <p:cxnSp>
+        <p:nvCxnSpPr>
+          <p:cNvPr id="92" name="Straight Arrow Connector 91"/>
+          <p:cNvCxnSpPr/>
+          <p:nvPr/>
+        </p:nvCxnSpPr>
+        <p:spPr>
+          <a:xfrm flipH="1" flipV="1">
+            <a:off x="1915537" y="5180805"/>
+            <a:ext cx="164221" cy="486081"/>
+          </a:xfrm>
+          <a:prstGeom prst="straightConnector1">
+            <a:avLst/>
+          </a:prstGeom>
+          <a:ln>
+            <a:solidFill>
+              <a:schemeClr val="tx1"/>
+            </a:solidFill>
+            <a:tailEnd type="triangle"/>
+          </a:ln>
+        </p:spPr>
+        <p:style>
+          <a:lnRef idx="1">
+            <a:schemeClr val="accent1"/>
+          </a:lnRef>
+          <a:fillRef idx="0">
+            <a:schemeClr val="accent1"/>
+          </a:fillRef>
+          <a:effectRef idx="0">
+            <a:schemeClr val="accent1"/>
+          </a:effectRef>
+          <a:fontRef idx="minor">
+            <a:schemeClr val="tx1"/>
+          </a:fontRef>
+        </p:style>
+      </p:cxnSp>
+      <p:cxnSp>
+        <p:nvCxnSpPr>
+          <p:cNvPr id="93" name="Straight Arrow Connector 92"/>
+          <p:cNvCxnSpPr/>
+          <p:nvPr/>
+        </p:nvCxnSpPr>
+        <p:spPr>
+          <a:xfrm flipV="1">
+            <a:off x="1635042" y="5163033"/>
+            <a:ext cx="107167" cy="190017"/>
+          </a:xfrm>
+          <a:prstGeom prst="straightConnector1">
+            <a:avLst/>
+          </a:prstGeom>
+          <a:ln>
+            <a:solidFill>
+              <a:schemeClr val="tx1"/>
+            </a:solidFill>
+            <a:tailEnd type="triangle"/>
+          </a:ln>
+        </p:spPr>
+        <p:style>
+          <a:lnRef idx="1">
+            <a:schemeClr val="accent1"/>
+          </a:lnRef>
+          <a:fillRef idx="0">
+            <a:schemeClr val="accent1"/>
+          </a:fillRef>
+          <a:effectRef idx="0">
+            <a:schemeClr val="accent1"/>
+          </a:effectRef>
+          <a:fontRef idx="minor">
+            <a:schemeClr val="tx1"/>
+          </a:fontRef>
+        </p:style>
+      </p:cxnSp>
+      <p:sp>
+        <p:nvSpPr>
+          <p:cNvPr id="95" name="TextBox 94"/>
+          <p:cNvSpPr txBox="1"/>
+          <p:nvPr/>
+        </p:nvSpPr>
+        <p:spPr>
+          <a:xfrm>
+            <a:off x="469803" y="5268865"/>
+            <a:ext cx="1351138" cy="738664"/>
+          </a:xfrm>
+          <a:prstGeom prst="rect">
+            <a:avLst/>
+          </a:prstGeom>
+          <a:noFill/>
+        </p:spPr>
+        <p:txBody>
+          <a:bodyPr wrap="square" rtlCol="0">
+            <a:spAutoFit/>
+          </a:bodyPr>
+          <a:lstStyle/>
+          <a:p>
+            <a:r>
+              <a:rPr lang="en-US" sz="1400" smtClean="0"/>
+              <a:t>Force dist. </a:t>
+            </a:r>
+            <a:r>
+              <a:rPr lang="en-US" sz="1400" dirty="0" smtClean="0"/>
+              <a:t>for compliance calculation</a:t>
+            </a:r>
+            <a:endParaRPr lang="en-US" sz="1400" dirty="0"/>
+          </a:p>
+        </p:txBody>
+      </p:sp>
+      <p:sp>
+        <p:nvSpPr>
+          <p:cNvPr id="97" name="TextBox 96"/>
+          <p:cNvSpPr txBox="1"/>
+          <p:nvPr/>
+        </p:nvSpPr>
+        <p:spPr>
+          <a:xfrm>
+            <a:off x="8429625" y="4572369"/>
+            <a:ext cx="2748125" cy="923330"/>
+          </a:xfrm>
+          <a:prstGeom prst="rect">
+            <a:avLst/>
+          </a:prstGeom>
+          <a:noFill/>
+        </p:spPr>
+        <p:txBody>
+          <a:bodyPr wrap="none" rtlCol="0">
+            <a:spAutoFit/>
+          </a:bodyPr>
+          <a:lstStyle/>
+          <a:p>
+            <a:r>
+              <a:rPr lang="en-US" dirty="0" smtClean="0"/>
+              <a:t>12</a:t>
+            </a:r>
+          </a:p>
+          <a:p>
+            <a:r>
+              <a:rPr lang="en-US" dirty="0" smtClean="0"/>
+              <a:t>Theoretical: 0.0135, 0.0135</a:t>
+            </a:r>
+          </a:p>
+          <a:p>
+            <a:r>
+              <a:rPr lang="en-US" dirty="0" err="1" smtClean="0"/>
+              <a:t>Exp</a:t>
+            </a:r>
+            <a:r>
+              <a:rPr lang="en-US" dirty="0" smtClean="0"/>
+              <a:t>: 0.0140, 0.0137</a:t>
+            </a:r>
+            <a:endParaRPr lang="en-US" dirty="0"/>
           </a:p>
         </p:txBody>
       </p:sp>
@@ -8268,6 +11640,665 @@
     <p:extLst>
       <p:ext uri="{BB962C8B-B14F-4D97-AF65-F5344CB8AC3E}">
         <p14:creationId xmlns:p14="http://schemas.microsoft.com/office/powerpoint/2010/main" val="2202327312"/>
+      </p:ext>
+    </p:extLst>
+  </p:cSld>
+  <p:clrMapOvr>
+    <a:masterClrMapping/>
+  </p:clrMapOvr>
+</p:sld>
+</file>
+
+<file path=ppt/slides/slide4.xml><?xml version="1.0" encoding="utf-8"?>
+<p:sld xmlns:a="http://schemas.openxmlformats.org/drawingml/2006/main" xmlns:r="http://schemas.openxmlformats.org/officeDocument/2006/relationships" xmlns:p="http://schemas.openxmlformats.org/presentationml/2006/main">
+  <p:cSld>
+    <p:spTree>
+      <p:nvGrpSpPr>
+        <p:cNvPr id="1" name=""/>
+        <p:cNvGrpSpPr/>
+        <p:nvPr/>
+      </p:nvGrpSpPr>
+      <p:grpSpPr>
+        <a:xfrm>
+          <a:off x="0" y="0"/>
+          <a:ext cx="0" cy="0"/>
+          <a:chOff x="0" y="0"/>
+          <a:chExt cx="0" cy="0"/>
+        </a:xfrm>
+      </p:grpSpPr>
+      <p:grpSp>
+        <p:nvGrpSpPr>
+          <p:cNvPr id="25" name="Group 24"/>
+          <p:cNvGrpSpPr/>
+          <p:nvPr/>
+        </p:nvGrpSpPr>
+        <p:grpSpPr>
+          <a:xfrm>
+            <a:off x="2105026" y="1743075"/>
+            <a:ext cx="2343178" cy="762000"/>
+            <a:chOff x="2105025" y="1743075"/>
+            <a:chExt cx="4810125" cy="762000"/>
+          </a:xfrm>
+        </p:grpSpPr>
+        <p:cxnSp>
+          <p:nvCxnSpPr>
+            <p:cNvPr id="5" name="Straight Connector 4"/>
+            <p:cNvCxnSpPr/>
+            <p:nvPr/>
+          </p:nvCxnSpPr>
+          <p:spPr>
+            <a:xfrm>
+              <a:off x="2105025" y="1743075"/>
+              <a:ext cx="4810125" cy="0"/>
+            </a:xfrm>
+            <a:prstGeom prst="line">
+              <a:avLst/>
+            </a:prstGeom>
+            <a:ln w="19050">
+              <a:solidFill>
+                <a:schemeClr val="tx1"/>
+              </a:solidFill>
+            </a:ln>
+          </p:spPr>
+          <p:style>
+            <a:lnRef idx="1">
+              <a:schemeClr val="accent1"/>
+            </a:lnRef>
+            <a:fillRef idx="0">
+              <a:schemeClr val="accent1"/>
+            </a:fillRef>
+            <a:effectRef idx="0">
+              <a:schemeClr val="accent1"/>
+            </a:effectRef>
+            <a:fontRef idx="minor">
+              <a:schemeClr val="tx1"/>
+            </a:fontRef>
+          </p:style>
+        </p:cxnSp>
+        <p:cxnSp>
+          <p:nvCxnSpPr>
+            <p:cNvPr id="6" name="Straight Connector 5"/>
+            <p:cNvCxnSpPr/>
+            <p:nvPr/>
+          </p:nvCxnSpPr>
+          <p:spPr>
+            <a:xfrm>
+              <a:off x="2105025" y="1981200"/>
+              <a:ext cx="4810125" cy="0"/>
+            </a:xfrm>
+            <a:prstGeom prst="line">
+              <a:avLst/>
+            </a:prstGeom>
+            <a:ln w="19050">
+              <a:solidFill>
+                <a:schemeClr val="tx1"/>
+              </a:solidFill>
+            </a:ln>
+          </p:spPr>
+          <p:style>
+            <a:lnRef idx="1">
+              <a:schemeClr val="accent1"/>
+            </a:lnRef>
+            <a:fillRef idx="0">
+              <a:schemeClr val="accent1"/>
+            </a:fillRef>
+            <a:effectRef idx="0">
+              <a:schemeClr val="accent1"/>
+            </a:effectRef>
+            <a:fontRef idx="minor">
+              <a:schemeClr val="tx1"/>
+            </a:fontRef>
+          </p:style>
+        </p:cxnSp>
+        <p:cxnSp>
+          <p:nvCxnSpPr>
+            <p:cNvPr id="7" name="Straight Connector 6"/>
+            <p:cNvCxnSpPr/>
+            <p:nvPr/>
+          </p:nvCxnSpPr>
+          <p:spPr>
+            <a:xfrm>
+              <a:off x="2105025" y="2238375"/>
+              <a:ext cx="4810125" cy="0"/>
+            </a:xfrm>
+            <a:prstGeom prst="line">
+              <a:avLst/>
+            </a:prstGeom>
+            <a:ln w="19050">
+              <a:solidFill>
+                <a:schemeClr val="tx1"/>
+              </a:solidFill>
+            </a:ln>
+          </p:spPr>
+          <p:style>
+            <a:lnRef idx="1">
+              <a:schemeClr val="accent1"/>
+            </a:lnRef>
+            <a:fillRef idx="0">
+              <a:schemeClr val="accent1"/>
+            </a:fillRef>
+            <a:effectRef idx="0">
+              <a:schemeClr val="accent1"/>
+            </a:effectRef>
+            <a:fontRef idx="minor">
+              <a:schemeClr val="tx1"/>
+            </a:fontRef>
+          </p:style>
+        </p:cxnSp>
+        <p:cxnSp>
+          <p:nvCxnSpPr>
+            <p:cNvPr id="8" name="Straight Connector 7"/>
+            <p:cNvCxnSpPr/>
+            <p:nvPr/>
+          </p:nvCxnSpPr>
+          <p:spPr>
+            <a:xfrm>
+              <a:off x="2105025" y="2505075"/>
+              <a:ext cx="4810125" cy="0"/>
+            </a:xfrm>
+            <a:prstGeom prst="line">
+              <a:avLst/>
+            </a:prstGeom>
+            <a:ln w="19050">
+              <a:solidFill>
+                <a:schemeClr val="tx1"/>
+              </a:solidFill>
+            </a:ln>
+          </p:spPr>
+          <p:style>
+            <a:lnRef idx="1">
+              <a:schemeClr val="accent1"/>
+            </a:lnRef>
+            <a:fillRef idx="0">
+              <a:schemeClr val="accent1"/>
+            </a:fillRef>
+            <a:effectRef idx="0">
+              <a:schemeClr val="accent1"/>
+            </a:effectRef>
+            <a:fontRef idx="minor">
+              <a:schemeClr val="tx1"/>
+            </a:fontRef>
+          </p:style>
+        </p:cxnSp>
+      </p:grpSp>
+      <p:cxnSp>
+        <p:nvCxnSpPr>
+          <p:cNvPr id="26" name="Straight Connector 25"/>
+          <p:cNvCxnSpPr/>
+          <p:nvPr/>
+        </p:nvCxnSpPr>
+        <p:spPr>
+          <a:xfrm flipV="1">
+            <a:off x="2105026" y="1733173"/>
+            <a:ext cx="0" cy="781804"/>
+          </a:xfrm>
+          <a:prstGeom prst="line">
+            <a:avLst/>
+          </a:prstGeom>
+          <a:ln w="19050">
+            <a:solidFill>
+              <a:schemeClr val="tx1"/>
+            </a:solidFill>
+          </a:ln>
+        </p:spPr>
+        <p:style>
+          <a:lnRef idx="1">
+            <a:schemeClr val="accent1"/>
+          </a:lnRef>
+          <a:fillRef idx="0">
+            <a:schemeClr val="accent1"/>
+          </a:fillRef>
+          <a:effectRef idx="0">
+            <a:schemeClr val="accent1"/>
+          </a:effectRef>
+          <a:fontRef idx="minor">
+            <a:schemeClr val="tx1"/>
+          </a:fontRef>
+        </p:style>
+      </p:cxnSp>
+      <p:cxnSp>
+        <p:nvCxnSpPr>
+          <p:cNvPr id="29" name="Straight Connector 28"/>
+          <p:cNvCxnSpPr/>
+          <p:nvPr/>
+        </p:nvCxnSpPr>
+        <p:spPr>
+          <a:xfrm flipV="1">
+            <a:off x="2366965" y="1733172"/>
+            <a:ext cx="0" cy="781804"/>
+          </a:xfrm>
+          <a:prstGeom prst="line">
+            <a:avLst/>
+          </a:prstGeom>
+          <a:ln w="19050">
+            <a:solidFill>
+              <a:schemeClr val="tx1"/>
+            </a:solidFill>
+          </a:ln>
+        </p:spPr>
+        <p:style>
+          <a:lnRef idx="1">
+            <a:schemeClr val="accent1"/>
+          </a:lnRef>
+          <a:fillRef idx="0">
+            <a:schemeClr val="accent1"/>
+          </a:fillRef>
+          <a:effectRef idx="0">
+            <a:schemeClr val="accent1"/>
+          </a:effectRef>
+          <a:fontRef idx="minor">
+            <a:schemeClr val="tx1"/>
+          </a:fontRef>
+        </p:style>
+      </p:cxnSp>
+      <p:cxnSp>
+        <p:nvCxnSpPr>
+          <p:cNvPr id="30" name="Straight Connector 29"/>
+          <p:cNvCxnSpPr/>
+          <p:nvPr/>
+        </p:nvCxnSpPr>
+        <p:spPr>
+          <a:xfrm flipV="1">
+            <a:off x="2628910" y="1733175"/>
+            <a:ext cx="0" cy="781804"/>
+          </a:xfrm>
+          <a:prstGeom prst="line">
+            <a:avLst/>
+          </a:prstGeom>
+          <a:ln w="19050">
+            <a:solidFill>
+              <a:schemeClr val="tx1"/>
+            </a:solidFill>
+          </a:ln>
+        </p:spPr>
+        <p:style>
+          <a:lnRef idx="1">
+            <a:schemeClr val="accent1"/>
+          </a:lnRef>
+          <a:fillRef idx="0">
+            <a:schemeClr val="accent1"/>
+          </a:fillRef>
+          <a:effectRef idx="0">
+            <a:schemeClr val="accent1"/>
+          </a:effectRef>
+          <a:fontRef idx="minor">
+            <a:schemeClr val="tx1"/>
+          </a:fontRef>
+        </p:style>
+      </p:cxnSp>
+      <p:cxnSp>
+        <p:nvCxnSpPr>
+          <p:cNvPr id="31" name="Straight Connector 30"/>
+          <p:cNvCxnSpPr/>
+          <p:nvPr/>
+        </p:nvCxnSpPr>
+        <p:spPr>
+          <a:xfrm flipV="1">
+            <a:off x="2890849" y="1733174"/>
+            <a:ext cx="0" cy="781804"/>
+          </a:xfrm>
+          <a:prstGeom prst="line">
+            <a:avLst/>
+          </a:prstGeom>
+          <a:ln w="19050">
+            <a:solidFill>
+              <a:schemeClr val="tx1"/>
+            </a:solidFill>
+          </a:ln>
+        </p:spPr>
+        <p:style>
+          <a:lnRef idx="1">
+            <a:schemeClr val="accent1"/>
+          </a:lnRef>
+          <a:fillRef idx="0">
+            <a:schemeClr val="accent1"/>
+          </a:fillRef>
+          <a:effectRef idx="0">
+            <a:schemeClr val="accent1"/>
+          </a:effectRef>
+          <a:fontRef idx="minor">
+            <a:schemeClr val="tx1"/>
+          </a:fontRef>
+        </p:style>
+      </p:cxnSp>
+      <p:cxnSp>
+        <p:nvCxnSpPr>
+          <p:cNvPr id="32" name="Straight Connector 31"/>
+          <p:cNvCxnSpPr/>
+          <p:nvPr/>
+        </p:nvCxnSpPr>
+        <p:spPr>
+          <a:xfrm flipV="1">
+            <a:off x="3143260" y="1733167"/>
+            <a:ext cx="0" cy="781804"/>
+          </a:xfrm>
+          <a:prstGeom prst="line">
+            <a:avLst/>
+          </a:prstGeom>
+          <a:ln w="19050">
+            <a:solidFill>
+              <a:schemeClr val="tx1"/>
+            </a:solidFill>
+          </a:ln>
+        </p:spPr>
+        <p:style>
+          <a:lnRef idx="1">
+            <a:schemeClr val="accent1"/>
+          </a:lnRef>
+          <a:fillRef idx="0">
+            <a:schemeClr val="accent1"/>
+          </a:fillRef>
+          <a:effectRef idx="0">
+            <a:schemeClr val="accent1"/>
+          </a:effectRef>
+          <a:fontRef idx="minor">
+            <a:schemeClr val="tx1"/>
+          </a:fontRef>
+        </p:style>
+      </p:cxnSp>
+      <p:cxnSp>
+        <p:nvCxnSpPr>
+          <p:cNvPr id="33" name="Straight Connector 32"/>
+          <p:cNvCxnSpPr/>
+          <p:nvPr/>
+        </p:nvCxnSpPr>
+        <p:spPr>
+          <a:xfrm flipV="1">
+            <a:off x="3405199" y="1733166"/>
+            <a:ext cx="0" cy="781804"/>
+          </a:xfrm>
+          <a:prstGeom prst="line">
+            <a:avLst/>
+          </a:prstGeom>
+          <a:ln w="19050">
+            <a:solidFill>
+              <a:schemeClr val="tx1"/>
+            </a:solidFill>
+          </a:ln>
+        </p:spPr>
+        <p:style>
+          <a:lnRef idx="1">
+            <a:schemeClr val="accent1"/>
+          </a:lnRef>
+          <a:fillRef idx="0">
+            <a:schemeClr val="accent1"/>
+          </a:fillRef>
+          <a:effectRef idx="0">
+            <a:schemeClr val="accent1"/>
+          </a:effectRef>
+          <a:fontRef idx="minor">
+            <a:schemeClr val="tx1"/>
+          </a:fontRef>
+        </p:style>
+      </p:cxnSp>
+      <p:cxnSp>
+        <p:nvCxnSpPr>
+          <p:cNvPr id="34" name="Straight Connector 33"/>
+          <p:cNvCxnSpPr/>
+          <p:nvPr/>
+        </p:nvCxnSpPr>
+        <p:spPr>
+          <a:xfrm flipV="1">
+            <a:off x="3667144" y="1733169"/>
+            <a:ext cx="0" cy="781804"/>
+          </a:xfrm>
+          <a:prstGeom prst="line">
+            <a:avLst/>
+          </a:prstGeom>
+          <a:ln w="19050">
+            <a:solidFill>
+              <a:schemeClr val="tx1"/>
+            </a:solidFill>
+          </a:ln>
+        </p:spPr>
+        <p:style>
+          <a:lnRef idx="1">
+            <a:schemeClr val="accent1"/>
+          </a:lnRef>
+          <a:fillRef idx="0">
+            <a:schemeClr val="accent1"/>
+          </a:fillRef>
+          <a:effectRef idx="0">
+            <a:schemeClr val="accent1"/>
+          </a:effectRef>
+          <a:fontRef idx="minor">
+            <a:schemeClr val="tx1"/>
+          </a:fontRef>
+        </p:style>
+      </p:cxnSp>
+      <p:cxnSp>
+        <p:nvCxnSpPr>
+          <p:cNvPr id="35" name="Straight Connector 34"/>
+          <p:cNvCxnSpPr/>
+          <p:nvPr/>
+        </p:nvCxnSpPr>
+        <p:spPr>
+          <a:xfrm flipV="1">
+            <a:off x="3929083" y="1733168"/>
+            <a:ext cx="0" cy="781804"/>
+          </a:xfrm>
+          <a:prstGeom prst="line">
+            <a:avLst/>
+          </a:prstGeom>
+          <a:ln w="19050">
+            <a:solidFill>
+              <a:schemeClr val="tx1"/>
+            </a:solidFill>
+          </a:ln>
+        </p:spPr>
+        <p:style>
+          <a:lnRef idx="1">
+            <a:schemeClr val="accent1"/>
+          </a:lnRef>
+          <a:fillRef idx="0">
+            <a:schemeClr val="accent1"/>
+          </a:fillRef>
+          <a:effectRef idx="0">
+            <a:schemeClr val="accent1"/>
+          </a:effectRef>
+          <a:fontRef idx="minor">
+            <a:schemeClr val="tx1"/>
+          </a:fontRef>
+        </p:style>
+      </p:cxnSp>
+      <p:cxnSp>
+        <p:nvCxnSpPr>
+          <p:cNvPr id="36" name="Straight Connector 35"/>
+          <p:cNvCxnSpPr/>
+          <p:nvPr/>
+        </p:nvCxnSpPr>
+        <p:spPr>
+          <a:xfrm flipV="1">
+            <a:off x="4186259" y="1733159"/>
+            <a:ext cx="0" cy="781804"/>
+          </a:xfrm>
+          <a:prstGeom prst="line">
+            <a:avLst/>
+          </a:prstGeom>
+          <a:ln w="19050">
+            <a:solidFill>
+              <a:schemeClr val="tx1"/>
+            </a:solidFill>
+          </a:ln>
+        </p:spPr>
+        <p:style>
+          <a:lnRef idx="1">
+            <a:schemeClr val="accent1"/>
+          </a:lnRef>
+          <a:fillRef idx="0">
+            <a:schemeClr val="accent1"/>
+          </a:fillRef>
+          <a:effectRef idx="0">
+            <a:schemeClr val="accent1"/>
+          </a:effectRef>
+          <a:fontRef idx="minor">
+            <a:schemeClr val="tx1"/>
+          </a:fontRef>
+        </p:style>
+      </p:cxnSp>
+      <p:cxnSp>
+        <p:nvCxnSpPr>
+          <p:cNvPr id="37" name="Straight Connector 36"/>
+          <p:cNvCxnSpPr/>
+          <p:nvPr/>
+        </p:nvCxnSpPr>
+        <p:spPr>
+          <a:xfrm flipV="1">
+            <a:off x="4448204" y="1733162"/>
+            <a:ext cx="0" cy="781804"/>
+          </a:xfrm>
+          <a:prstGeom prst="line">
+            <a:avLst/>
+          </a:prstGeom>
+          <a:ln w="19050">
+            <a:solidFill>
+              <a:schemeClr val="tx1"/>
+            </a:solidFill>
+          </a:ln>
+        </p:spPr>
+        <p:style>
+          <a:lnRef idx="1">
+            <a:schemeClr val="accent1"/>
+          </a:lnRef>
+          <a:fillRef idx="0">
+            <a:schemeClr val="accent1"/>
+          </a:fillRef>
+          <a:effectRef idx="0">
+            <a:schemeClr val="accent1"/>
+          </a:effectRef>
+          <a:fontRef idx="minor">
+            <a:schemeClr val="tx1"/>
+          </a:fontRef>
+        </p:style>
+      </p:cxnSp>
+      <p:sp>
+        <p:nvSpPr>
+          <p:cNvPr id="39" name="TextBox 38"/>
+          <p:cNvSpPr txBox="1"/>
+          <p:nvPr/>
+        </p:nvSpPr>
+        <p:spPr>
+          <a:xfrm>
+            <a:off x="2881346" y="1409922"/>
+            <a:ext cx="688394" cy="369332"/>
+          </a:xfrm>
+          <a:prstGeom prst="rect">
+            <a:avLst/>
+          </a:prstGeom>
+          <a:noFill/>
+        </p:spPr>
+        <p:txBody>
+          <a:bodyPr wrap="none" rtlCol="0">
+            <a:spAutoFit/>
+          </a:bodyPr>
+          <a:lstStyle/>
+          <a:p>
+            <a:r>
+              <a:rPr lang="en-US" i="1" dirty="0" err="1" smtClean="0"/>
+              <a:t>n</a:t>
+            </a:r>
+            <a:r>
+              <a:rPr lang="en-US" i="1" baseline="-25000" dirty="0" err="1" smtClean="0"/>
+              <a:t>x</a:t>
+            </a:r>
+            <a:r>
+              <a:rPr lang="en-US" i="1" baseline="-25000" dirty="0" smtClean="0"/>
+              <a:t> </a:t>
+            </a:r>
+            <a:r>
+              <a:rPr lang="en-US" dirty="0" smtClean="0"/>
+              <a:t>= 4</a:t>
+            </a:r>
+            <a:endParaRPr lang="en-US" baseline="-25000" dirty="0"/>
+          </a:p>
+        </p:txBody>
+      </p:sp>
+      <p:sp>
+        <p:nvSpPr>
+          <p:cNvPr id="40" name="TextBox 39"/>
+          <p:cNvSpPr txBox="1"/>
+          <p:nvPr/>
+        </p:nvSpPr>
+        <p:spPr>
+          <a:xfrm rot="16200000">
+            <a:off x="1583243" y="1916963"/>
+            <a:ext cx="688650" cy="369332"/>
+          </a:xfrm>
+          <a:prstGeom prst="rect">
+            <a:avLst/>
+          </a:prstGeom>
+          <a:noFill/>
+        </p:spPr>
+        <p:txBody>
+          <a:bodyPr wrap="none" rtlCol="0">
+            <a:spAutoFit/>
+          </a:bodyPr>
+          <a:lstStyle/>
+          <a:p>
+            <a:r>
+              <a:rPr lang="en-US" i="1" dirty="0" err="1" smtClean="0"/>
+              <a:t>n</a:t>
+            </a:r>
+            <a:r>
+              <a:rPr lang="en-US" i="1" baseline="-25000" dirty="0" err="1" smtClean="0"/>
+              <a:t>y</a:t>
+            </a:r>
+            <a:r>
+              <a:rPr lang="en-US" i="1" baseline="-25000" dirty="0" smtClean="0"/>
+              <a:t> </a:t>
+            </a:r>
+            <a:r>
+              <a:rPr lang="en-US" dirty="0" smtClean="0"/>
+              <a:t>= 3</a:t>
+            </a:r>
+            <a:endParaRPr lang="en-US" baseline="-25000" dirty="0"/>
+          </a:p>
+        </p:txBody>
+      </p:sp>
+      <p:sp>
+        <p:nvSpPr>
+          <p:cNvPr id="41" name="Oval 40"/>
+          <p:cNvSpPr/>
+          <p:nvPr/>
+        </p:nvSpPr>
+        <p:spPr>
+          <a:xfrm>
+            <a:off x="2063750" y="1704975"/>
+            <a:ext cx="86979" cy="86979"/>
+          </a:xfrm>
+          <a:prstGeom prst="ellipse">
+            <a:avLst/>
+          </a:prstGeom>
+        </p:spPr>
+        <p:style>
+          <a:lnRef idx="2">
+            <a:schemeClr val="accent1">
+              <a:shade val="50000"/>
+            </a:schemeClr>
+          </a:lnRef>
+          <a:fillRef idx="1">
+            <a:schemeClr val="accent1"/>
+          </a:fillRef>
+          <a:effectRef idx="0">
+            <a:schemeClr val="accent1"/>
+          </a:effectRef>
+          <a:fontRef idx="minor">
+            <a:schemeClr val="lt1"/>
+          </a:fontRef>
+        </p:style>
+        <p:txBody>
+          <a:bodyPr rtlCol="0" anchor="ctr"/>
+          <a:lstStyle/>
+          <a:p>
+            <a:pPr algn="ctr"/>
+            <a:endParaRPr lang="en-US"/>
+          </a:p>
+        </p:txBody>
+      </p:sp>
+    </p:spTree>
+    <p:extLst>
+      <p:ext uri="{BB962C8B-B14F-4D97-AF65-F5344CB8AC3E}">
+        <p14:creationId xmlns:p14="http://schemas.microsoft.com/office/powerpoint/2010/main" val="780998384"/>
       </p:ext>
     </p:extLst>
   </p:cSld>
